--- a/Project 1.pptx
+++ b/Project 1.pptx
@@ -5,15 +5,13 @@
     <p:sldMasterId id="2147483660" r:id="rId1"/>
   </p:sldMasterIdLst>
   <p:notesMasterIdLst>
-    <p:notesMasterId r:id="rId8"/>
+    <p:notesMasterId r:id="rId6"/>
   </p:notesMasterIdLst>
   <p:sldIdLst>
     <p:sldId id="256" r:id="rId2"/>
     <p:sldId id="258" r:id="rId3"/>
-    <p:sldId id="257" r:id="rId4"/>
-    <p:sldId id="259" r:id="rId5"/>
-    <p:sldId id="260" r:id="rId6"/>
-    <p:sldId id="261" r:id="rId7"/>
+    <p:sldId id="260" r:id="rId4"/>
+    <p:sldId id="261" r:id="rId5"/>
   </p:sldIdLst>
   <p:sldSz cx="9144000" cy="6858000" type="screen4x3"/>
   <p:notesSz cx="6858000" cy="9144000"/>
@@ -526,12 +524,8 @@
               <a:t>Kal</a:t>
             </a:r>
             <a:r>
-              <a:rPr lang="en-US" smtClean="0"/>
-              <a:t> McClure, </a:t>
-            </a:r>
-            <a:r>
               <a:rPr lang="en-US" dirty="0" smtClean="0"/>
-              <a:t>and Latham Graham</a:t>
+              <a:t> McClure, and Latham Graham</a:t>
             </a:r>
             <a:endParaRPr lang="en-US" dirty="0"/>
           </a:p>
@@ -3521,41 +3515,79 @@
           <a:p>
             <a:r>
               <a:rPr lang="en-US" dirty="0" smtClean="0"/>
-              <a:t>Project 1</a:t>
+              <a:t>Express Server with React Client</a:t>
             </a:r>
             <a:endParaRPr lang="en-US" dirty="0"/>
           </a:p>
         </p:txBody>
       </p:sp>
-      <p:pic>
-        <p:nvPicPr>
-          <p:cNvPr id="6" name="Content Placeholder 5"/>
-          <p:cNvPicPr>
-            <a:picLocks noGrp="1" noChangeAspect="1"/>
-          </p:cNvPicPr>
+      <p:sp>
+        <p:nvSpPr>
+          <p:cNvPr id="2" name="Content Placeholder 1"/>
+          <p:cNvSpPr>
+            <a:spLocks noGrp="1"/>
+          </p:cNvSpPr>
           <p:nvPr>
             <p:ph idx="1"/>
           </p:nvPr>
-        </p:nvPicPr>
-        <p:blipFill>
-          <a:blip r:embed="rId3">
-            <a:extLst>
-              <a:ext uri="{28A0092B-C50C-407E-A947-70E740481C1C}">
-                <a14:useLocalDpi xmlns:a14="http://schemas.microsoft.com/office/drawing/2010/main" val="0"/>
-              </a:ext>
-            </a:extLst>
-          </a:blip>
-          <a:stretch>
-            <a:fillRect/>
-          </a:stretch>
-        </p:blipFill>
+        </p:nvSpPr>
         <p:spPr>
           <a:xfrm>
-            <a:off x="931270" y="1600200"/>
-            <a:ext cx="7281459" cy="4708525"/>
+            <a:off x="2476500" y="1905000"/>
+            <a:ext cx="4191000" cy="2514600"/>
           </a:xfrm>
         </p:spPr>
-      </p:pic>
+        <p:txBody>
+          <a:bodyPr/>
+          <a:lstStyle/>
+          <a:p>
+            <a:r>
+              <a:rPr lang="en-US" dirty="0"/>
+              <a:t>Mathew </a:t>
+            </a:r>
+            <a:r>
+              <a:rPr lang="en-US" dirty="0" smtClean="0"/>
+              <a:t>Kott, </a:t>
+            </a:r>
+          </a:p>
+          <a:p>
+            <a:r>
+              <a:rPr lang="en-US" dirty="0" smtClean="0"/>
+              <a:t>Rosalinda </a:t>
+            </a:r>
+            <a:r>
+              <a:rPr lang="en-US" dirty="0"/>
+              <a:t>Gutierrez, </a:t>
+            </a:r>
+            <a:endParaRPr lang="en-US" dirty="0" smtClean="0"/>
+          </a:p>
+          <a:p>
+            <a:r>
+              <a:rPr lang="en-US" dirty="0" err="1" smtClean="0"/>
+              <a:t>Kal</a:t>
+            </a:r>
+            <a:r>
+              <a:rPr lang="en-US" dirty="0" smtClean="0"/>
+              <a:t> </a:t>
+            </a:r>
+            <a:r>
+              <a:rPr lang="en-US" dirty="0"/>
+              <a:t>McClure, </a:t>
+            </a:r>
+            <a:endParaRPr lang="en-US" dirty="0" smtClean="0"/>
+          </a:p>
+          <a:p>
+            <a:r>
+              <a:rPr lang="en-US" dirty="0" smtClean="0"/>
+              <a:t>Latham </a:t>
+            </a:r>
+            <a:r>
+              <a:rPr lang="en-US" dirty="0"/>
+              <a:t>Graham</a:t>
+            </a:r>
+          </a:p>
+        </p:txBody>
+      </p:sp>
     </p:spTree>
     <p:extLst>
       <p:ext uri="{BB962C8B-B14F-4D97-AF65-F5344CB8AC3E}">
@@ -3603,7 +3635,7 @@
           <a:p>
             <a:r>
               <a:rPr lang="en-US" dirty="0" smtClean="0"/>
-              <a:t>Backend </a:t>
+              <a:t>Overview </a:t>
             </a:r>
             <a:endParaRPr lang="en-US" dirty="0"/>
           </a:p>
@@ -3618,7 +3650,7 @@
         <p:spPr>
           <a:xfrm>
             <a:off x="1143000" y="2075329"/>
-            <a:ext cx="6781800" cy="3170099"/>
+            <a:ext cx="6781800" cy="3785652"/>
           </a:xfrm>
           <a:prstGeom prst="rect">
             <a:avLst/>
@@ -3650,7 +3682,7 @@
             </a:r>
             <a:r>
               <a:rPr lang="en-US" sz="2000" dirty="0" smtClean="0"/>
-              <a:t>created using; </a:t>
+              <a:t>created using: </a:t>
             </a:r>
           </a:p>
           <a:p>
@@ -3667,15 +3699,7 @@
             </a:r>
             <a:r>
               <a:rPr lang="en-US" sz="2000" dirty="0" smtClean="0"/>
-              <a:t>/Typescript for function </a:t>
-            </a:r>
-            <a:r>
-              <a:rPr lang="en-US" sz="2000" dirty="0" err="1" smtClean="0"/>
-              <a:t>excution</a:t>
-            </a:r>
-            <a:r>
-              <a:rPr lang="en-US" sz="2000" dirty="0" smtClean="0"/>
-              <a:t>, </a:t>
+              <a:t> for function execution</a:t>
             </a:r>
           </a:p>
           <a:p>
@@ -3688,7 +3712,7 @@
             </a:pPr>
             <a:r>
               <a:rPr lang="en-US" sz="2000" dirty="0" smtClean="0"/>
-              <a:t>Node.js libraries, </a:t>
+              <a:t> Node.js libraries</a:t>
             </a:r>
           </a:p>
           <a:p>
@@ -3701,7 +3725,7 @@
             </a:pPr>
             <a:r>
               <a:rPr lang="en-US" sz="2000" dirty="0" smtClean="0"/>
-              <a:t>Express API, </a:t>
+              <a:t>Used Express to create a server </a:t>
             </a:r>
           </a:p>
           <a:p>
@@ -3714,7 +3738,20 @@
             </a:pPr>
             <a:r>
               <a:rPr lang="en-US" sz="2000" dirty="0" smtClean="0"/>
-              <a:t>For the PostgreSQL database. </a:t>
+              <a:t>Used PostgreSQL for the database</a:t>
+            </a:r>
+          </a:p>
+          <a:p>
+            <a:pPr marL="285750" indent="-285750">
+              <a:lnSpc>
+                <a:spcPct val="200000"/>
+              </a:lnSpc>
+              <a:buFont typeface="Arial" panose="020B0604020202020204" pitchFamily="34" charset="0"/>
+              <a:buChar char="•"/>
+            </a:pPr>
+            <a:r>
+              <a:rPr lang="en-US" sz="2000" dirty="0" smtClean="0"/>
+              <a:t> Front End Application was implemented using React</a:t>
             </a:r>
             <a:endParaRPr lang="en-US" sz="2000" dirty="0"/>
           </a:p>
@@ -3767,7 +3804,7 @@
           <a:p>
             <a:r>
               <a:rPr lang="en-US" dirty="0" smtClean="0"/>
-              <a:t>Front End</a:t>
+              <a:t>Functionality</a:t>
             </a:r>
             <a:endParaRPr lang="en-US" dirty="0"/>
           </a:p>
@@ -3775,14 +3812,14 @@
       </p:sp>
       <p:sp>
         <p:nvSpPr>
-          <p:cNvPr id="4" name="TextBox 3"/>
+          <p:cNvPr id="3" name="TextBox 2"/>
           <p:cNvSpPr txBox="1"/>
           <p:nvPr/>
         </p:nvSpPr>
         <p:spPr>
           <a:xfrm>
-            <a:off x="1066800" y="2133600"/>
-            <a:ext cx="7086600" cy="3083921"/>
+            <a:off x="825649" y="1295400"/>
+            <a:ext cx="7391400" cy="6524863"/>
           </a:xfrm>
           <a:prstGeom prst="rect">
             <a:avLst/>
@@ -3794,6 +3831,14 @@
             <a:spAutoFit/>
           </a:bodyPr>
           <a:lstStyle/>
+          <a:p>
+            <a:pPr>
+              <a:lnSpc>
+                <a:spcPct val="200000"/>
+              </a:lnSpc>
+            </a:pPr>
+            <a:endParaRPr lang="en-US" sz="2000" dirty="0" smtClean="0"/>
+          </a:p>
           <a:p>
             <a:pPr marL="285750" indent="-285750">
               <a:lnSpc>
@@ -3804,25 +3849,20 @@
             </a:pPr>
             <a:r>
               <a:rPr lang="en-US" sz="2000" dirty="0"/>
-              <a:t>E</a:t>
+              <a:t>Clients of the API </a:t>
             </a:r>
             <a:r>
               <a:rPr lang="en-US" sz="2000" dirty="0" smtClean="0"/>
-              <a:t>xpress </a:t>
+              <a:t>are able </a:t>
             </a:r>
             <a:r>
               <a:rPr lang="en-US" sz="2000" dirty="0"/>
-              <a:t>server </a:t>
+              <a:t>to log into the API and then provide data to authorized </a:t>
             </a:r>
             <a:r>
               <a:rPr lang="en-US" sz="2000" dirty="0" smtClean="0"/>
-              <a:t> were implemented using </a:t>
-            </a:r>
-            <a:r>
-              <a:rPr lang="en-US" sz="2000" dirty="0"/>
-              <a:t>React. </a:t>
-            </a:r>
-            <a:endParaRPr lang="en-US" sz="2000" dirty="0" smtClean="0"/>
+              <a:t>clients</a:t>
+            </a:r>
           </a:p>
           <a:p>
             <a:pPr marL="285750" indent="-285750">
@@ -3833,16 +3873,12 @@
               <a:buChar char="•"/>
             </a:pPr>
             <a:r>
+              <a:rPr lang="en-US" sz="2000" dirty="0"/>
+              <a:t>Usage of the project is for displaying employee names and emails for authorized users for a company in any easy to use, accessible </a:t>
+            </a:r>
+            <a:r>
               <a:rPr lang="en-US" sz="2000" dirty="0" smtClean="0"/>
-              <a:t>AWS </a:t>
-            </a:r>
-            <a:r>
-              <a:rPr lang="en-US" sz="2000" dirty="0"/>
-              <a:t>EC2 </a:t>
-            </a:r>
-            <a:r>
-              <a:rPr lang="en-US" sz="2000" dirty="0" smtClean="0"/>
-              <a:t>was used to remotely access the server. </a:t>
+              <a:t>app</a:t>
             </a:r>
           </a:p>
           <a:p>
@@ -3854,17 +3890,14 @@
               <a:buChar char="•"/>
             </a:pPr>
             <a:r>
+              <a:rPr lang="en-US" sz="2000" dirty="0"/>
+              <a:t>Authentication of users was implemented using </a:t>
+            </a:r>
+            <a:r>
               <a:rPr lang="en-US" sz="2000" dirty="0" smtClean="0"/>
-              <a:t>DevOps </a:t>
-            </a:r>
-            <a:r>
-              <a:rPr lang="en-US" sz="2000" dirty="0"/>
-              <a:t>pipelines were </a:t>
-            </a:r>
-            <a:r>
-              <a:rPr lang="en-US" sz="2000" dirty="0" smtClean="0"/>
-              <a:t>constructed to Maintain proper CI/CD practices. </a:t>
-            </a:r>
+              <a:t>Auth0 security protocol with the use of JSON  Web tokens</a:t>
+            </a:r>
+            <a:endParaRPr lang="en-US" sz="2000" dirty="0"/>
           </a:p>
           <a:p>
             <a:pPr marL="285750" indent="-285750">
@@ -3874,18 +3907,27 @@
               <a:buFont typeface="Arial" panose="020B0604020202020204" pitchFamily="34" charset="0"/>
               <a:buChar char="•"/>
             </a:pPr>
-            <a:r>
-              <a:rPr lang="en-US" sz="2000" dirty="0" smtClean="0"/>
-              <a:t>DevOps pipelines use Jenkins for testing.</a:t>
-            </a:r>
             <a:endParaRPr lang="en-US" sz="2000" dirty="0"/>
+          </a:p>
+          <a:p>
+            <a:pPr marL="285750" indent="-285750">
+              <a:lnSpc>
+                <a:spcPct val="200000"/>
+              </a:lnSpc>
+              <a:buFont typeface="Arial" panose="020B0604020202020204" pitchFamily="34" charset="0"/>
+              <a:buChar char="•"/>
+            </a:pPr>
+            <a:endParaRPr lang="en-US" sz="2000" dirty="0"/>
+          </a:p>
+          <a:p>
+            <a:endParaRPr lang="en-US" dirty="0"/>
           </a:p>
         </p:txBody>
       </p:sp>
     </p:spTree>
     <p:extLst>
       <p:ext uri="{BB962C8B-B14F-4D97-AF65-F5344CB8AC3E}">
-        <p14:creationId xmlns:p14="http://schemas.microsoft.com/office/powerpoint/2010/main" val="849602483"/>
+        <p14:creationId xmlns:p14="http://schemas.microsoft.com/office/powerpoint/2010/main" val="2844487548"/>
       </p:ext>
     </p:extLst>
   </p:cSld>
@@ -3929,310 +3971,6 @@
           <a:p>
             <a:r>
               <a:rPr lang="en-US" dirty="0" smtClean="0"/>
-              <a:t>Database</a:t>
-            </a:r>
-            <a:endParaRPr lang="en-US" dirty="0"/>
-          </a:p>
-        </p:txBody>
-      </p:sp>
-      <p:sp>
-        <p:nvSpPr>
-          <p:cNvPr id="3" name="TextBox 2"/>
-          <p:cNvSpPr txBox="1"/>
-          <p:nvPr/>
-        </p:nvSpPr>
-        <p:spPr>
-          <a:xfrm>
-            <a:off x="414168" y="1933829"/>
-            <a:ext cx="7358231" cy="3170099"/>
-          </a:xfrm>
-          <a:prstGeom prst="rect">
-            <a:avLst/>
-          </a:prstGeom>
-          <a:noFill/>
-        </p:spPr>
-        <p:txBody>
-          <a:bodyPr wrap="square" rtlCol="0">
-            <a:spAutoFit/>
-          </a:bodyPr>
-          <a:lstStyle/>
-          <a:p>
-            <a:pPr marL="342900" indent="-342900">
-              <a:lnSpc>
-                <a:spcPct val="200000"/>
-              </a:lnSpc>
-              <a:buFont typeface="Arial" panose="020B0604020202020204" pitchFamily="34" charset="0"/>
-              <a:buChar char="•"/>
-            </a:pPr>
-            <a:r>
-              <a:rPr lang="en-US" sz="2000" dirty="0" smtClean="0"/>
-              <a:t>PostgreSQL </a:t>
-            </a:r>
-            <a:r>
-              <a:rPr lang="en-US" sz="2000" b="1" dirty="0"/>
-              <a:t> </a:t>
-            </a:r>
-            <a:r>
-              <a:rPr lang="en-US" sz="2000" b="1" dirty="0" smtClean="0"/>
-              <a:t>an object-relational </a:t>
-            </a:r>
-            <a:r>
-              <a:rPr lang="en-US" sz="2000" b="1" dirty="0"/>
-              <a:t>database </a:t>
-            </a:r>
-            <a:r>
-              <a:rPr lang="en-US" sz="2000" b="1" dirty="0" smtClean="0"/>
-              <a:t>system</a:t>
-            </a:r>
-          </a:p>
-          <a:p>
-            <a:pPr marL="342900" indent="-342900">
-              <a:lnSpc>
-                <a:spcPct val="200000"/>
-              </a:lnSpc>
-              <a:buFont typeface="Arial" panose="020B0604020202020204" pitchFamily="34" charset="0"/>
-              <a:buChar char="•"/>
-            </a:pPr>
-            <a:r>
-              <a:rPr lang="en-US" sz="2000" b="1" dirty="0" smtClean="0"/>
-              <a:t>Database contents house proprietary client information</a:t>
-            </a:r>
-          </a:p>
-          <a:p>
-            <a:pPr marL="342900" indent="-342900">
-              <a:lnSpc>
-                <a:spcPct val="200000"/>
-              </a:lnSpc>
-              <a:buFont typeface="Arial" panose="020B0604020202020204" pitchFamily="34" charset="0"/>
-              <a:buChar char="•"/>
-            </a:pPr>
-            <a:r>
-              <a:rPr lang="en-US" sz="2000" b="1" dirty="0" smtClean="0"/>
-              <a:t>Database provides new password granted  security operations.</a:t>
-            </a:r>
-          </a:p>
-          <a:p>
-            <a:pPr marL="342900" indent="-342900">
-              <a:lnSpc>
-                <a:spcPct val="200000"/>
-              </a:lnSpc>
-              <a:buFont typeface="Arial" panose="020B0604020202020204" pitchFamily="34" charset="0"/>
-              <a:buChar char="•"/>
-            </a:pPr>
-            <a:r>
-              <a:rPr lang="en-US" sz="2000" b="1" dirty="0" smtClean="0"/>
-              <a:t>Source provides Database  connectivity  and </a:t>
-            </a:r>
-            <a:r>
-              <a:rPr lang="en-US" sz="2000" b="1" smtClean="0"/>
-              <a:t>remote communication.</a:t>
-            </a:r>
-            <a:endParaRPr lang="en-US" sz="2000" dirty="0"/>
-          </a:p>
-        </p:txBody>
-      </p:sp>
-    </p:spTree>
-    <p:extLst>
-      <p:ext uri="{BB962C8B-B14F-4D97-AF65-F5344CB8AC3E}">
-        <p14:creationId xmlns:p14="http://schemas.microsoft.com/office/powerpoint/2010/main" val="916278966"/>
-      </p:ext>
-    </p:extLst>
-  </p:cSld>
-  <p:clrMapOvr>
-    <a:masterClrMapping/>
-  </p:clrMapOvr>
-</p:sld>
-</file>
-
-<file path=ppt/slides/slide5.xml><?xml version="1.0" encoding="utf-8"?>
-<p:sld xmlns:a="http://schemas.openxmlformats.org/drawingml/2006/main" xmlns:r="http://schemas.openxmlformats.org/officeDocument/2006/relationships" xmlns:p="http://schemas.openxmlformats.org/presentationml/2006/main">
-  <p:cSld>
-    <p:spTree>
-      <p:nvGrpSpPr>
-        <p:cNvPr id="1" name=""/>
-        <p:cNvGrpSpPr/>
-        <p:nvPr/>
-      </p:nvGrpSpPr>
-      <p:grpSpPr>
-        <a:xfrm>
-          <a:off x="0" y="0"/>
-          <a:ext cx="0" cy="0"/>
-          <a:chOff x="0" y="0"/>
-          <a:chExt cx="0" cy="0"/>
-        </a:xfrm>
-      </p:grpSpPr>
-      <p:sp>
-        <p:nvSpPr>
-          <p:cNvPr id="2" name="Title 1"/>
-          <p:cNvSpPr>
-            <a:spLocks noGrp="1"/>
-          </p:cNvSpPr>
-          <p:nvPr>
-            <p:ph type="title"/>
-          </p:nvPr>
-        </p:nvSpPr>
-        <p:spPr/>
-        <p:txBody>
-          <a:bodyPr/>
-          <a:lstStyle/>
-          <a:p>
-            <a:r>
-              <a:rPr lang="en-US" dirty="0" smtClean="0"/>
-              <a:t>Functionality</a:t>
-            </a:r>
-            <a:endParaRPr lang="en-US" dirty="0"/>
-          </a:p>
-        </p:txBody>
-      </p:sp>
-      <p:sp>
-        <p:nvSpPr>
-          <p:cNvPr id="3" name="TextBox 2"/>
-          <p:cNvSpPr txBox="1"/>
-          <p:nvPr/>
-        </p:nvSpPr>
-        <p:spPr>
-          <a:xfrm>
-            <a:off x="762000" y="2286000"/>
-            <a:ext cx="7391400" cy="4062651"/>
-          </a:xfrm>
-          <a:prstGeom prst="rect">
-            <a:avLst/>
-          </a:prstGeom>
-          <a:noFill/>
-        </p:spPr>
-        <p:txBody>
-          <a:bodyPr wrap="square" rtlCol="0">
-            <a:spAutoFit/>
-          </a:bodyPr>
-          <a:lstStyle/>
-          <a:p>
-            <a:pPr marL="285750" indent="-285750">
-              <a:lnSpc>
-                <a:spcPct val="200000"/>
-              </a:lnSpc>
-              <a:buFont typeface="Arial" panose="020B0604020202020204" pitchFamily="34" charset="0"/>
-              <a:buChar char="•"/>
-            </a:pPr>
-            <a:r>
-              <a:rPr lang="en-US" sz="2000" dirty="0" smtClean="0"/>
-              <a:t>Agile/Scrum development methodology was used to facilitate progress.</a:t>
-            </a:r>
-          </a:p>
-          <a:p>
-            <a:pPr marL="285750" indent="-285750">
-              <a:lnSpc>
-                <a:spcPct val="200000"/>
-              </a:lnSpc>
-              <a:buFont typeface="Arial" panose="020B0604020202020204" pitchFamily="34" charset="0"/>
-              <a:buChar char="•"/>
-            </a:pPr>
-            <a:r>
-              <a:rPr lang="en-US" sz="2000" dirty="0" smtClean="0"/>
-              <a:t> This development partnership  acted </a:t>
-            </a:r>
-            <a:r>
-              <a:rPr lang="en-US" sz="2000" dirty="0"/>
-              <a:t>as both </a:t>
-            </a:r>
-            <a:r>
-              <a:rPr lang="en-US" sz="2000" dirty="0" smtClean="0"/>
-              <a:t>Owner </a:t>
-            </a:r>
-            <a:r>
-              <a:rPr lang="en-US" sz="2000" dirty="0"/>
-              <a:t>of the Express server </a:t>
-            </a:r>
-            <a:r>
-              <a:rPr lang="en-US" sz="2000" dirty="0" smtClean="0"/>
-              <a:t>and their </a:t>
-            </a:r>
-            <a:r>
-              <a:rPr lang="en-US" sz="2000" dirty="0"/>
-              <a:t>partner's Express API</a:t>
-            </a:r>
-            <a:r>
-              <a:rPr lang="en-US" sz="2000" dirty="0" smtClean="0"/>
-              <a:t>. </a:t>
-            </a:r>
-          </a:p>
-          <a:p>
-            <a:pPr marL="285750" indent="-285750">
-              <a:lnSpc>
-                <a:spcPct val="200000"/>
-              </a:lnSpc>
-              <a:buFont typeface="Arial" panose="020B0604020202020204" pitchFamily="34" charset="0"/>
-              <a:buChar char="•"/>
-            </a:pPr>
-            <a:r>
-              <a:rPr lang="en-US" sz="2000" dirty="0" smtClean="0"/>
-              <a:t>Projects required thorough documentation and unit testing. </a:t>
-            </a:r>
-          </a:p>
-          <a:p>
-            <a:pPr marL="285750" indent="-285750">
-              <a:lnSpc>
-                <a:spcPct val="200000"/>
-              </a:lnSpc>
-              <a:buFont typeface="Arial" panose="020B0604020202020204" pitchFamily="34" charset="0"/>
-              <a:buChar char="•"/>
-            </a:pPr>
-            <a:r>
-              <a:rPr lang="en-US" sz="2000" dirty="0" smtClean="0"/>
-              <a:t>API Clients are able to log into the API and obtain authorized data.</a:t>
-            </a:r>
-          </a:p>
-          <a:p>
-            <a:endParaRPr lang="en-US" dirty="0"/>
-          </a:p>
-        </p:txBody>
-      </p:sp>
-    </p:spTree>
-    <p:extLst>
-      <p:ext uri="{BB962C8B-B14F-4D97-AF65-F5344CB8AC3E}">
-        <p14:creationId xmlns:p14="http://schemas.microsoft.com/office/powerpoint/2010/main" val="2844487548"/>
-      </p:ext>
-    </p:extLst>
-  </p:cSld>
-  <p:clrMapOvr>
-    <a:masterClrMapping/>
-  </p:clrMapOvr>
-</p:sld>
-</file>
-
-<file path=ppt/slides/slide6.xml><?xml version="1.0" encoding="utf-8"?>
-<p:sld xmlns:a="http://schemas.openxmlformats.org/drawingml/2006/main" xmlns:r="http://schemas.openxmlformats.org/officeDocument/2006/relationships" xmlns:p="http://schemas.openxmlformats.org/presentationml/2006/main">
-  <p:cSld>
-    <p:spTree>
-      <p:nvGrpSpPr>
-        <p:cNvPr id="1" name=""/>
-        <p:cNvGrpSpPr/>
-        <p:nvPr/>
-      </p:nvGrpSpPr>
-      <p:grpSpPr>
-        <a:xfrm>
-          <a:off x="0" y="0"/>
-          <a:ext cx="0" cy="0"/>
-          <a:chOff x="0" y="0"/>
-          <a:chExt cx="0" cy="0"/>
-        </a:xfrm>
-      </p:grpSpPr>
-      <p:sp>
-        <p:nvSpPr>
-          <p:cNvPr id="2" name="Title 1"/>
-          <p:cNvSpPr>
-            <a:spLocks noGrp="1"/>
-          </p:cNvSpPr>
-          <p:nvPr>
-            <p:ph type="title"/>
-          </p:nvPr>
-        </p:nvSpPr>
-        <p:spPr/>
-        <p:txBody>
-          <a:bodyPr/>
-          <a:lstStyle/>
-          <a:p>
-            <a:r>
-              <a:rPr lang="en-US" dirty="0" smtClean="0"/>
               <a:t>Diagram</a:t>
             </a:r>
             <a:endParaRPr lang="en-US" dirty="0"/>
@@ -4269,6 +4007,36 @@
           </a:p>
         </p:txBody>
       </p:sp>
+      <p:pic>
+        <p:nvPicPr>
+          <p:cNvPr id="4" name="Picture 3"/>
+          <p:cNvPicPr>
+            <a:picLocks noChangeAspect="1"/>
+          </p:cNvPicPr>
+          <p:nvPr/>
+        </p:nvPicPr>
+        <p:blipFill>
+          <a:blip r:embed="rId2">
+            <a:extLst>
+              <a:ext uri="{28A0092B-C50C-407E-A947-70E740481C1C}">
+                <a14:useLocalDpi xmlns:a14="http://schemas.microsoft.com/office/drawing/2010/main" val="0"/>
+              </a:ext>
+            </a:extLst>
+          </a:blip>
+          <a:stretch>
+            <a:fillRect/>
+          </a:stretch>
+        </p:blipFill>
+        <p:spPr>
+          <a:xfrm>
+            <a:off x="537882" y="304800"/>
+            <a:ext cx="7991679" cy="6322788"/>
+          </a:xfrm>
+          <a:prstGeom prst="rect">
+            <a:avLst/>
+          </a:prstGeom>
+        </p:spPr>
+      </p:pic>
     </p:spTree>
     <p:extLst>
       <p:ext uri="{BB962C8B-B14F-4D97-AF65-F5344CB8AC3E}">
@@ -4279,6 +4047,13 @@
   <p:clrMapOvr>
     <a:masterClrMapping/>
   </p:clrMapOvr>
+  <p:timing>
+    <p:tnLst>
+      <p:par>
+        <p:cTn id="1" dur="indefinite" restart="never" nodeType="tmRoot"/>
+      </p:par>
+    </p:tnLst>
+  </p:timing>
 </p:sld>
 </file>
 

--- a/Project 1.pptx
+++ b/Project 1.pptx
@@ -5,13 +5,15 @@
     <p:sldMasterId id="2147483660" r:id="rId1"/>
   </p:sldMasterIdLst>
   <p:notesMasterIdLst>
-    <p:notesMasterId r:id="rId6"/>
+    <p:notesMasterId r:id="rId8"/>
   </p:notesMasterIdLst>
   <p:sldIdLst>
     <p:sldId id="256" r:id="rId2"/>
-    <p:sldId id="258" r:id="rId3"/>
-    <p:sldId id="260" r:id="rId4"/>
-    <p:sldId id="261" r:id="rId5"/>
+    <p:sldId id="262" r:id="rId3"/>
+    <p:sldId id="258" r:id="rId4"/>
+    <p:sldId id="260" r:id="rId5"/>
+    <p:sldId id="261" r:id="rId6"/>
+    <p:sldId id="263" r:id="rId7"/>
   </p:sldIdLst>
   <p:sldSz cx="9144000" cy="6858000" type="screen4x3"/>
   <p:notesSz cx="6858000" cy="9144000"/>
@@ -110,6 +112,22 @@
       </a:defRPr>
     </a:lvl9pPr>
   </p:defaultTextStyle>
+  <p:extLst>
+    <p:ext uri="{EFAFB233-063F-42B5-8137-9DF3F51BA10A}">
+      <p15:sldGuideLst xmlns:p15="http://schemas.microsoft.com/office/powerpoint/2012/main">
+        <p15:guide id="1" orient="horz" pos="2160">
+          <p15:clr>
+            <a:srgbClr val="A4A3A4"/>
+          </p15:clr>
+        </p15:guide>
+        <p15:guide id="2" pos="2880">
+          <p15:clr>
+            <a:srgbClr val="A4A3A4"/>
+          </p15:clr>
+        </p15:guide>
+      </p15:sldGuideLst>
+    </p:ext>
+  </p:extLst>
 </p:presentation>
 </file>
 
@@ -195,7 +213,7 @@
           <a:p>
             <a:fld id="{4F909C2F-3E5B-4634-96A8-1378B030B86E}" type="datetimeFigureOut">
               <a:rPr lang="en-US" smtClean="0"/>
-              <a:t>4/12/2022</a:t>
+              <a:t>4/13/2022</a:t>
             </a:fld>
             <a:endParaRPr lang="en-US"/>
           </a:p>
@@ -678,7 +696,7 @@
           <a:p>
             <a:fld id="{0C36B450-794D-49EA-A921-4CF5282E3E27}" type="datetimeFigureOut">
               <a:rPr lang="en-US" smtClean="0"/>
-              <a:t>4/12/2022</a:t>
+              <a:t>4/13/2022</a:t>
             </a:fld>
             <a:endParaRPr lang="en-US"/>
           </a:p>
@@ -904,7 +922,7 @@
           <a:p>
             <a:fld id="{0C36B450-794D-49EA-A921-4CF5282E3E27}" type="datetimeFigureOut">
               <a:rPr lang="en-US" smtClean="0"/>
-              <a:t>4/12/2022</a:t>
+              <a:t>4/13/2022</a:t>
             </a:fld>
             <a:endParaRPr lang="en-US"/>
           </a:p>
@@ -1079,7 +1097,7 @@
           <a:p>
             <a:fld id="{0C36B450-794D-49EA-A921-4CF5282E3E27}" type="datetimeFigureOut">
               <a:rPr lang="en-US" smtClean="0"/>
-              <a:t>4/12/2022</a:t>
+              <a:t>4/13/2022</a:t>
             </a:fld>
             <a:endParaRPr lang="en-US"/>
           </a:p>
@@ -1244,7 +1262,7 @@
           <a:p>
             <a:fld id="{0C36B450-794D-49EA-A921-4CF5282E3E27}" type="datetimeFigureOut">
               <a:rPr lang="en-US" smtClean="0"/>
-              <a:t>4/12/2022</a:t>
+              <a:t>4/13/2022</a:t>
             </a:fld>
             <a:endParaRPr lang="en-US"/>
           </a:p>
@@ -1488,7 +1506,7 @@
           <a:p>
             <a:fld id="{0C36B450-794D-49EA-A921-4CF5282E3E27}" type="datetimeFigureOut">
               <a:rPr lang="en-US" smtClean="0"/>
-              <a:t>4/12/2022</a:t>
+              <a:t>4/13/2022</a:t>
             </a:fld>
             <a:endParaRPr lang="en-US"/>
           </a:p>
@@ -1752,7 +1770,7 @@
           <a:p>
             <a:fld id="{0C36B450-794D-49EA-A921-4CF5282E3E27}" type="datetimeFigureOut">
               <a:rPr lang="en-US" smtClean="0"/>
-              <a:t>4/12/2022</a:t>
+              <a:t>4/13/2022</a:t>
             </a:fld>
             <a:endParaRPr lang="en-US"/>
           </a:p>
@@ -2126,7 +2144,7 @@
           <a:p>
             <a:fld id="{0C36B450-794D-49EA-A921-4CF5282E3E27}" type="datetimeFigureOut">
               <a:rPr lang="en-US" smtClean="0"/>
-              <a:t>4/12/2022</a:t>
+              <a:t>4/13/2022</a:t>
             </a:fld>
             <a:endParaRPr lang="en-US"/>
           </a:p>
@@ -2239,7 +2257,7 @@
           <a:p>
             <a:fld id="{0C36B450-794D-49EA-A921-4CF5282E3E27}" type="datetimeFigureOut">
               <a:rPr lang="en-US" smtClean="0"/>
-              <a:t>4/12/2022</a:t>
+              <a:t>4/13/2022</a:t>
             </a:fld>
             <a:endParaRPr lang="en-US"/>
           </a:p>
@@ -2329,7 +2347,7 @@
           <a:p>
             <a:fld id="{0C36B450-794D-49EA-A921-4CF5282E3E27}" type="datetimeFigureOut">
               <a:rPr lang="en-US" smtClean="0"/>
-              <a:t>4/12/2022</a:t>
+              <a:t>4/13/2022</a:t>
             </a:fld>
             <a:endParaRPr lang="en-US"/>
           </a:p>
@@ -2587,7 +2605,7 @@
           <a:p>
             <a:fld id="{0C36B450-794D-49EA-A921-4CF5282E3E27}" type="datetimeFigureOut">
               <a:rPr lang="en-US" smtClean="0"/>
-              <a:t>4/12/2022</a:t>
+              <a:t>4/13/2022</a:t>
             </a:fld>
             <a:endParaRPr lang="en-US"/>
           </a:p>
@@ -2851,7 +2869,7 @@
           <a:p>
             <a:fld id="{0C36B450-794D-49EA-A921-4CF5282E3E27}" type="datetimeFigureOut">
               <a:rPr lang="en-US" smtClean="0"/>
-              <a:t>4/12/2022</a:t>
+              <a:t>4/13/2022</a:t>
             </a:fld>
             <a:endParaRPr lang="en-US"/>
           </a:p>
@@ -3068,7 +3086,7 @@
           <a:p>
             <a:fld id="{0C36B450-794D-49EA-A921-4CF5282E3E27}" type="datetimeFigureOut">
               <a:rPr lang="en-US" smtClean="0"/>
-              <a:t>4/12/2022</a:t>
+              <a:t>4/13/2022</a:t>
             </a:fld>
             <a:endParaRPr lang="en-US"/>
           </a:p>
@@ -3635,132 +3653,45 @@
           <a:p>
             <a:r>
               <a:rPr lang="en-US" dirty="0" smtClean="0"/>
-              <a:t>Overview </a:t>
+              <a:t>Landing Page</a:t>
             </a:r>
             <a:endParaRPr lang="en-US" dirty="0"/>
           </a:p>
         </p:txBody>
       </p:sp>
-      <p:sp>
-        <p:nvSpPr>
-          <p:cNvPr id="3" name="TextBox 2"/>
-          <p:cNvSpPr txBox="1"/>
-          <p:nvPr/>
-        </p:nvSpPr>
+      <p:pic>
+        <p:nvPicPr>
+          <p:cNvPr id="4" name="Content Placeholder 3"/>
+          <p:cNvPicPr>
+            <a:picLocks noGrp="1" noChangeAspect="1"/>
+          </p:cNvPicPr>
+          <p:nvPr>
+            <p:ph idx="1"/>
+          </p:nvPr>
+        </p:nvPicPr>
+        <p:blipFill>
+          <a:blip r:embed="rId2">
+            <a:extLst>
+              <a:ext uri="{28A0092B-C50C-407E-A947-70E740481C1C}">
+                <a14:useLocalDpi xmlns:a14="http://schemas.microsoft.com/office/drawing/2010/main" val="0"/>
+              </a:ext>
+            </a:extLst>
+          </a:blip>
+          <a:stretch>
+            <a:fillRect/>
+          </a:stretch>
+        </p:blipFill>
         <p:spPr>
           <a:xfrm>
-            <a:off x="1143000" y="2075329"/>
-            <a:ext cx="6781800" cy="3785652"/>
+            <a:off x="691827" y="1600200"/>
+            <a:ext cx="7760346" cy="4708525"/>
           </a:xfrm>
-          <a:prstGeom prst="rect">
-            <a:avLst/>
-          </a:prstGeom>
-          <a:noFill/>
         </p:spPr>
-        <p:txBody>
-          <a:bodyPr wrap="square" rtlCol="0">
-            <a:spAutoFit/>
-          </a:bodyPr>
-          <a:lstStyle/>
-          <a:p>
-            <a:pPr>
-              <a:lnSpc>
-                <a:spcPct val="200000"/>
-              </a:lnSpc>
-            </a:pPr>
-            <a:r>
-              <a:rPr lang="en-US" sz="2000" dirty="0"/>
-              <a:t>A</a:t>
-            </a:r>
-            <a:r>
-              <a:rPr lang="en-US" sz="2000" dirty="0" smtClean="0"/>
-              <a:t> </a:t>
-            </a:r>
-            <a:r>
-              <a:rPr lang="en-US" sz="2000" dirty="0"/>
-              <a:t>RESTful API was </a:t>
-            </a:r>
-            <a:r>
-              <a:rPr lang="en-US" sz="2000" dirty="0" smtClean="0"/>
-              <a:t>created using: </a:t>
-            </a:r>
-          </a:p>
-          <a:p>
-            <a:pPr marL="285750" indent="-285750">
-              <a:lnSpc>
-                <a:spcPct val="200000"/>
-              </a:lnSpc>
-              <a:buFont typeface="Arial" panose="020B0604020202020204" pitchFamily="34" charset="0"/>
-              <a:buChar char="•"/>
-            </a:pPr>
-            <a:r>
-              <a:rPr lang="en-US" sz="2000" dirty="0" err="1" smtClean="0"/>
-              <a:t>Javascript</a:t>
-            </a:r>
-            <a:r>
-              <a:rPr lang="en-US" sz="2000" dirty="0" smtClean="0"/>
-              <a:t> for function execution</a:t>
-            </a:r>
-          </a:p>
-          <a:p>
-            <a:pPr marL="285750" indent="-285750">
-              <a:lnSpc>
-                <a:spcPct val="200000"/>
-              </a:lnSpc>
-              <a:buFont typeface="Arial" panose="020B0604020202020204" pitchFamily="34" charset="0"/>
-              <a:buChar char="•"/>
-            </a:pPr>
-            <a:r>
-              <a:rPr lang="en-US" sz="2000" dirty="0" smtClean="0"/>
-              <a:t> Node.js libraries</a:t>
-            </a:r>
-          </a:p>
-          <a:p>
-            <a:pPr marL="285750" indent="-285750">
-              <a:lnSpc>
-                <a:spcPct val="200000"/>
-              </a:lnSpc>
-              <a:buFont typeface="Arial" panose="020B0604020202020204" pitchFamily="34" charset="0"/>
-              <a:buChar char="•"/>
-            </a:pPr>
-            <a:r>
-              <a:rPr lang="en-US" sz="2000" dirty="0" smtClean="0"/>
-              <a:t>Used Express to create a server </a:t>
-            </a:r>
-          </a:p>
-          <a:p>
-            <a:pPr marL="285750" indent="-285750">
-              <a:lnSpc>
-                <a:spcPct val="200000"/>
-              </a:lnSpc>
-              <a:buFont typeface="Arial" panose="020B0604020202020204" pitchFamily="34" charset="0"/>
-              <a:buChar char="•"/>
-            </a:pPr>
-            <a:r>
-              <a:rPr lang="en-US" sz="2000" dirty="0" smtClean="0"/>
-              <a:t>Used PostgreSQL for the database</a:t>
-            </a:r>
-          </a:p>
-          <a:p>
-            <a:pPr marL="285750" indent="-285750">
-              <a:lnSpc>
-                <a:spcPct val="200000"/>
-              </a:lnSpc>
-              <a:buFont typeface="Arial" panose="020B0604020202020204" pitchFamily="34" charset="0"/>
-              <a:buChar char="•"/>
-            </a:pPr>
-            <a:r>
-              <a:rPr lang="en-US" sz="2000" dirty="0" smtClean="0"/>
-              <a:t> Front End Application was implemented using React</a:t>
-            </a:r>
-            <a:endParaRPr lang="en-US" sz="2000" dirty="0"/>
-          </a:p>
-        </p:txBody>
-      </p:sp>
+      </p:pic>
     </p:spTree>
     <p:extLst>
       <p:ext uri="{BB962C8B-B14F-4D97-AF65-F5344CB8AC3E}">
-        <p14:creationId xmlns:p14="http://schemas.microsoft.com/office/powerpoint/2010/main" val="3727242249"/>
+        <p14:creationId xmlns:p14="http://schemas.microsoft.com/office/powerpoint/2010/main" val="1049065207"/>
       </p:ext>
     </p:extLst>
   </p:cSld>
@@ -3804,6 +3735,175 @@
           <a:p>
             <a:r>
               <a:rPr lang="en-US" dirty="0" smtClean="0"/>
+              <a:t>Overview </a:t>
+            </a:r>
+            <a:endParaRPr lang="en-US" dirty="0"/>
+          </a:p>
+        </p:txBody>
+      </p:sp>
+      <p:sp>
+        <p:nvSpPr>
+          <p:cNvPr id="3" name="TextBox 2"/>
+          <p:cNvSpPr txBox="1"/>
+          <p:nvPr/>
+        </p:nvSpPr>
+        <p:spPr>
+          <a:xfrm>
+            <a:off x="1143000" y="2075329"/>
+            <a:ext cx="6781800" cy="3785652"/>
+          </a:xfrm>
+          <a:prstGeom prst="rect">
+            <a:avLst/>
+          </a:prstGeom>
+          <a:noFill/>
+        </p:spPr>
+        <p:txBody>
+          <a:bodyPr wrap="square" rtlCol="0">
+            <a:spAutoFit/>
+          </a:bodyPr>
+          <a:lstStyle/>
+          <a:p>
+            <a:pPr>
+              <a:lnSpc>
+                <a:spcPct val="200000"/>
+              </a:lnSpc>
+            </a:pPr>
+            <a:r>
+              <a:rPr lang="en-US" sz="2000" dirty="0"/>
+              <a:t>A</a:t>
+            </a:r>
+            <a:r>
+              <a:rPr lang="en-US" sz="2000" dirty="0" smtClean="0"/>
+              <a:t> </a:t>
+            </a:r>
+            <a:r>
+              <a:rPr lang="en-US" sz="2000" dirty="0"/>
+              <a:t>RESTful API was </a:t>
+            </a:r>
+            <a:r>
+              <a:rPr lang="en-US" sz="2000" dirty="0" smtClean="0"/>
+              <a:t>created using: </a:t>
+            </a:r>
+          </a:p>
+          <a:p>
+            <a:pPr marL="285750" indent="-285750">
+              <a:lnSpc>
+                <a:spcPct val="200000"/>
+              </a:lnSpc>
+              <a:buFont typeface="Arial" panose="020B0604020202020204" pitchFamily="34" charset="0"/>
+              <a:buChar char="•"/>
+            </a:pPr>
+            <a:r>
+              <a:rPr lang="en-US" sz="2000" dirty="0" err="1" smtClean="0"/>
+              <a:t>Javascript</a:t>
+            </a:r>
+            <a:r>
+              <a:rPr lang="en-US" sz="2000" dirty="0" smtClean="0"/>
+              <a:t> for function execution</a:t>
+            </a:r>
+          </a:p>
+          <a:p>
+            <a:pPr marL="285750" indent="-285750">
+              <a:lnSpc>
+                <a:spcPct val="200000"/>
+              </a:lnSpc>
+              <a:buFont typeface="Arial" panose="020B0604020202020204" pitchFamily="34" charset="0"/>
+              <a:buChar char="•"/>
+            </a:pPr>
+            <a:r>
+              <a:rPr lang="en-US" sz="2000" dirty="0" smtClean="0"/>
+              <a:t> Node.js libraries</a:t>
+            </a:r>
+          </a:p>
+          <a:p>
+            <a:pPr marL="285750" indent="-285750">
+              <a:lnSpc>
+                <a:spcPct val="200000"/>
+              </a:lnSpc>
+              <a:buFont typeface="Arial" panose="020B0604020202020204" pitchFamily="34" charset="0"/>
+              <a:buChar char="•"/>
+            </a:pPr>
+            <a:r>
+              <a:rPr lang="en-US" sz="2000" dirty="0" smtClean="0"/>
+              <a:t>Used Express to create a server </a:t>
+            </a:r>
+          </a:p>
+          <a:p>
+            <a:pPr marL="285750" indent="-285750">
+              <a:lnSpc>
+                <a:spcPct val="200000"/>
+              </a:lnSpc>
+              <a:buFont typeface="Arial" panose="020B0604020202020204" pitchFamily="34" charset="0"/>
+              <a:buChar char="•"/>
+            </a:pPr>
+            <a:r>
+              <a:rPr lang="en-US" sz="2000" dirty="0" smtClean="0"/>
+              <a:t>Used PostgreSQL for the database</a:t>
+            </a:r>
+          </a:p>
+          <a:p>
+            <a:pPr marL="285750" indent="-285750">
+              <a:lnSpc>
+                <a:spcPct val="200000"/>
+              </a:lnSpc>
+              <a:buFont typeface="Arial" panose="020B0604020202020204" pitchFamily="34" charset="0"/>
+              <a:buChar char="•"/>
+            </a:pPr>
+            <a:r>
+              <a:rPr lang="en-US" sz="2000" dirty="0" smtClean="0"/>
+              <a:t> Front End Application was implemented using React</a:t>
+            </a:r>
+            <a:endParaRPr lang="en-US" sz="2000" dirty="0"/>
+          </a:p>
+        </p:txBody>
+      </p:sp>
+    </p:spTree>
+    <p:extLst>
+      <p:ext uri="{BB962C8B-B14F-4D97-AF65-F5344CB8AC3E}">
+        <p14:creationId xmlns:p14="http://schemas.microsoft.com/office/powerpoint/2010/main" val="3727242249"/>
+      </p:ext>
+    </p:extLst>
+  </p:cSld>
+  <p:clrMapOvr>
+    <a:masterClrMapping/>
+  </p:clrMapOvr>
+</p:sld>
+</file>
+
+<file path=ppt/slides/slide4.xml><?xml version="1.0" encoding="utf-8"?>
+<p:sld xmlns:a="http://schemas.openxmlformats.org/drawingml/2006/main" xmlns:r="http://schemas.openxmlformats.org/officeDocument/2006/relationships" xmlns:p="http://schemas.openxmlformats.org/presentationml/2006/main">
+  <p:cSld>
+    <p:spTree>
+      <p:nvGrpSpPr>
+        <p:cNvPr id="1" name=""/>
+        <p:cNvGrpSpPr/>
+        <p:nvPr/>
+      </p:nvGrpSpPr>
+      <p:grpSpPr>
+        <a:xfrm>
+          <a:off x="0" y="0"/>
+          <a:ext cx="0" cy="0"/>
+          <a:chOff x="0" y="0"/>
+          <a:chExt cx="0" cy="0"/>
+        </a:xfrm>
+      </p:grpSpPr>
+      <p:sp>
+        <p:nvSpPr>
+          <p:cNvPr id="2" name="Title 1"/>
+          <p:cNvSpPr>
+            <a:spLocks noGrp="1"/>
+          </p:cNvSpPr>
+          <p:nvPr>
+            <p:ph type="title"/>
+          </p:nvPr>
+        </p:nvSpPr>
+        <p:spPr/>
+        <p:txBody>
+          <a:bodyPr/>
+          <a:lstStyle/>
+          <a:p>
+            <a:r>
+              <a:rPr lang="en-US" dirty="0" smtClean="0"/>
               <a:t>Functionality</a:t>
             </a:r>
             <a:endParaRPr lang="en-US" dirty="0"/>
@@ -3937,7 +4037,7 @@
 </p:sld>
 </file>
 
-<file path=ppt/slides/slide4.xml><?xml version="1.0" encoding="utf-8"?>
+<file path=ppt/slides/slide5.xml><?xml version="1.0" encoding="utf-8"?>
 <p:sld xmlns:a="http://schemas.openxmlformats.org/drawingml/2006/main" xmlns:r="http://schemas.openxmlformats.org/officeDocument/2006/relationships" xmlns:p="http://schemas.openxmlformats.org/presentationml/2006/main">
   <p:cSld>
     <p:spTree>
@@ -4054,6 +4154,64 @@
       </p:par>
     </p:tnLst>
   </p:timing>
+</p:sld>
+</file>
+
+<file path=ppt/slides/slide6.xml><?xml version="1.0" encoding="utf-8"?>
+<p:sld xmlns:a="http://schemas.openxmlformats.org/drawingml/2006/main" xmlns:r="http://schemas.openxmlformats.org/officeDocument/2006/relationships" xmlns:p="http://schemas.openxmlformats.org/presentationml/2006/main">
+  <p:cSld>
+    <p:spTree>
+      <p:nvGrpSpPr>
+        <p:cNvPr id="1" name=""/>
+        <p:cNvGrpSpPr/>
+        <p:nvPr/>
+      </p:nvGrpSpPr>
+      <p:grpSpPr>
+        <a:xfrm>
+          <a:off x="0" y="0"/>
+          <a:ext cx="0" cy="0"/>
+          <a:chOff x="0" y="0"/>
+          <a:chExt cx="0" cy="0"/>
+        </a:xfrm>
+      </p:grpSpPr>
+      <p:sp>
+        <p:nvSpPr>
+          <p:cNvPr id="2" name="Title 1"/>
+          <p:cNvSpPr>
+            <a:spLocks noGrp="1"/>
+          </p:cNvSpPr>
+          <p:nvPr>
+            <p:ph type="title"/>
+          </p:nvPr>
+        </p:nvSpPr>
+        <p:spPr>
+          <a:xfrm>
+            <a:off x="457200" y="2857500"/>
+            <a:ext cx="8229600" cy="1143000"/>
+          </a:xfrm>
+        </p:spPr>
+        <p:txBody>
+          <a:bodyPr/>
+          <a:lstStyle/>
+          <a:p>
+            <a:r>
+              <a:rPr lang="en-US" dirty="0" smtClean="0"/>
+              <a:t>Thank You</a:t>
+            </a:r>
+            <a:endParaRPr lang="en-US" dirty="0"/>
+          </a:p>
+        </p:txBody>
+      </p:sp>
+    </p:spTree>
+    <p:extLst>
+      <p:ext uri="{BB962C8B-B14F-4D97-AF65-F5344CB8AC3E}">
+        <p14:creationId xmlns:p14="http://schemas.microsoft.com/office/powerpoint/2010/main" val="3561812256"/>
+      </p:ext>
+    </p:extLst>
+  </p:cSld>
+  <p:clrMapOvr>
+    <a:masterClrMapping/>
+  </p:clrMapOvr>
 </p:sld>
 </file>
 

--- a/Project 1.pptx
+++ b/Project 1.pptx
@@ -9,9 +9,9 @@
   </p:notesMasterIdLst>
   <p:sldIdLst>
     <p:sldId id="256" r:id="rId2"/>
-    <p:sldId id="262" r:id="rId3"/>
-    <p:sldId id="258" r:id="rId4"/>
-    <p:sldId id="260" r:id="rId5"/>
+    <p:sldId id="258" r:id="rId3"/>
+    <p:sldId id="260" r:id="rId4"/>
+    <p:sldId id="262" r:id="rId5"/>
     <p:sldId id="261" r:id="rId6"/>
     <p:sldId id="263" r:id="rId7"/>
   </p:sldIdLst>
@@ -114,7 +114,7 @@
   </p:defaultTextStyle>
   <p:extLst>
     <p:ext uri="{EFAFB233-063F-42B5-8137-9DF3F51BA10A}">
-      <p15:sldGuideLst xmlns:p15="http://schemas.microsoft.com/office/powerpoint/2012/main">
+      <p15:sldGuideLst xmlns:p15="http://schemas.microsoft.com/office/powerpoint/2012/main" xmlns="">
         <p15:guide id="1" orient="horz" pos="2160">
           <p15:clr>
             <a:srgbClr val="A4A3A4"/>
@@ -213,7 +213,7 @@
           <a:p>
             <a:fld id="{4F909C2F-3E5B-4634-96A8-1378B030B86E}" type="datetimeFigureOut">
               <a:rPr lang="en-US" smtClean="0"/>
-              <a:t>4/13/2022</a:t>
+              <a:t>4/23/2022</a:t>
             </a:fld>
             <a:endParaRPr lang="en-US"/>
           </a:p>
@@ -530,12 +530,12 @@
               <a:t>Team members Mathew </a:t>
             </a:r>
             <a:r>
-              <a:rPr lang="en-US" dirty="0" err="1" smtClean="0"/>
-              <a:t>Nevish</a:t>
-            </a:r>
-            <a:r>
               <a:rPr lang="en-US" dirty="0" smtClean="0"/>
-              <a:t>, Rosalinda Gutierrez, </a:t>
+              <a:t>Kott, </a:t>
+            </a:r>
+            <a:r>
+              <a:rPr lang="en-US" dirty="0" smtClean="0"/>
+              <a:t>Rosalinda Gutierrez, </a:t>
             </a:r>
             <a:r>
               <a:rPr lang="en-US" dirty="0" err="1" smtClean="0"/>
@@ -576,6 +576,185 @@
     <p:extLst>
       <p:ext uri="{BB962C8B-B14F-4D97-AF65-F5344CB8AC3E}">
         <p14:creationId xmlns:p14="http://schemas.microsoft.com/office/powerpoint/2010/main" val="3152416693"/>
+      </p:ext>
+    </p:extLst>
+  </p:cSld>
+  <p:clrMapOvr>
+    <a:masterClrMapping/>
+  </p:clrMapOvr>
+</p:notes>
+</file>
+
+<file path=ppt/notesSlides/notesSlide2.xml><?xml version="1.0" encoding="utf-8"?>
+<p:notes xmlns:a="http://schemas.openxmlformats.org/drawingml/2006/main" xmlns:r="http://schemas.openxmlformats.org/officeDocument/2006/relationships" xmlns:p="http://schemas.openxmlformats.org/presentationml/2006/main">
+  <p:cSld>
+    <p:spTree>
+      <p:nvGrpSpPr>
+        <p:cNvPr id="1" name=""/>
+        <p:cNvGrpSpPr/>
+        <p:nvPr/>
+      </p:nvGrpSpPr>
+      <p:grpSpPr>
+        <a:xfrm>
+          <a:off x="0" y="0"/>
+          <a:ext cx="0" cy="0"/>
+          <a:chOff x="0" y="0"/>
+          <a:chExt cx="0" cy="0"/>
+        </a:xfrm>
+      </p:grpSpPr>
+      <p:sp>
+        <p:nvSpPr>
+          <p:cNvPr id="2" name="Slide Image Placeholder 1"/>
+          <p:cNvSpPr>
+            <a:spLocks noGrp="1" noRot="1" noChangeAspect="1"/>
+          </p:cNvSpPr>
+          <p:nvPr>
+            <p:ph type="sldImg"/>
+          </p:nvPr>
+        </p:nvSpPr>
+        <p:spPr/>
+      </p:sp>
+      <p:sp>
+        <p:nvSpPr>
+          <p:cNvPr id="3" name="Notes Placeholder 2"/>
+          <p:cNvSpPr>
+            <a:spLocks noGrp="1"/>
+          </p:cNvSpPr>
+          <p:nvPr>
+            <p:ph type="body" idx="1"/>
+          </p:nvPr>
+        </p:nvSpPr>
+        <p:spPr/>
+        <p:txBody>
+          <a:bodyPr/>
+          <a:lstStyle/>
+          <a:p>
+            <a:r>
+              <a:rPr lang="en-US" dirty="0" smtClean="0"/>
+              <a:t>Review later with team. </a:t>
+            </a:r>
+            <a:endParaRPr lang="en-US" dirty="0"/>
+          </a:p>
+        </p:txBody>
+      </p:sp>
+      <p:sp>
+        <p:nvSpPr>
+          <p:cNvPr id="4" name="Slide Number Placeholder 3"/>
+          <p:cNvSpPr>
+            <a:spLocks noGrp="1"/>
+          </p:cNvSpPr>
+          <p:nvPr>
+            <p:ph type="sldNum" sz="quarter" idx="10"/>
+          </p:nvPr>
+        </p:nvSpPr>
+        <p:spPr/>
+        <p:txBody>
+          <a:bodyPr/>
+          <a:lstStyle/>
+          <a:p>
+            <a:fld id="{15E5AFF4-0F21-4FA2-B6D0-ED544E39508F}" type="slidenum">
+              <a:rPr lang="en-US" smtClean="0"/>
+              <a:t>2</a:t>
+            </a:fld>
+            <a:endParaRPr lang="en-US"/>
+          </a:p>
+        </p:txBody>
+      </p:sp>
+    </p:spTree>
+    <p:extLst>
+      <p:ext uri="{BB962C8B-B14F-4D97-AF65-F5344CB8AC3E}">
+        <p14:creationId xmlns:p14="http://schemas.microsoft.com/office/powerpoint/2010/main" val="1406741195"/>
+      </p:ext>
+    </p:extLst>
+  </p:cSld>
+  <p:clrMapOvr>
+    <a:masterClrMapping/>
+  </p:clrMapOvr>
+</p:notes>
+</file>
+
+<file path=ppt/notesSlides/notesSlide3.xml><?xml version="1.0" encoding="utf-8"?>
+<p:notes xmlns:a="http://schemas.openxmlformats.org/drawingml/2006/main" xmlns:r="http://schemas.openxmlformats.org/officeDocument/2006/relationships" xmlns:p="http://schemas.openxmlformats.org/presentationml/2006/main">
+  <p:cSld>
+    <p:spTree>
+      <p:nvGrpSpPr>
+        <p:cNvPr id="1" name=""/>
+        <p:cNvGrpSpPr/>
+        <p:nvPr/>
+      </p:nvGrpSpPr>
+      <p:grpSpPr>
+        <a:xfrm>
+          <a:off x="0" y="0"/>
+          <a:ext cx="0" cy="0"/>
+          <a:chOff x="0" y="0"/>
+          <a:chExt cx="0" cy="0"/>
+        </a:xfrm>
+      </p:grpSpPr>
+      <p:sp>
+        <p:nvSpPr>
+          <p:cNvPr id="2" name="Slide Image Placeholder 1"/>
+          <p:cNvSpPr>
+            <a:spLocks noGrp="1" noRot="1" noChangeAspect="1"/>
+          </p:cNvSpPr>
+          <p:nvPr>
+            <p:ph type="sldImg"/>
+          </p:nvPr>
+        </p:nvSpPr>
+        <p:spPr/>
+      </p:sp>
+      <p:sp>
+        <p:nvSpPr>
+          <p:cNvPr id="3" name="Notes Placeholder 2"/>
+          <p:cNvSpPr>
+            <a:spLocks noGrp="1"/>
+          </p:cNvSpPr>
+          <p:nvPr>
+            <p:ph type="body" idx="1"/>
+          </p:nvPr>
+        </p:nvSpPr>
+        <p:spPr/>
+        <p:txBody>
+          <a:bodyPr/>
+          <a:lstStyle/>
+          <a:p>
+            <a:r>
+              <a:rPr lang="en-US" dirty="0" smtClean="0"/>
+              <a:t>Review</a:t>
+            </a:r>
+            <a:r>
+              <a:rPr lang="en-US" baseline="0" dirty="0" smtClean="0"/>
+              <a:t> with team.</a:t>
+            </a:r>
+          </a:p>
+        </p:txBody>
+      </p:sp>
+      <p:sp>
+        <p:nvSpPr>
+          <p:cNvPr id="4" name="Slide Number Placeholder 3"/>
+          <p:cNvSpPr>
+            <a:spLocks noGrp="1"/>
+          </p:cNvSpPr>
+          <p:nvPr>
+            <p:ph type="sldNum" sz="quarter" idx="10"/>
+          </p:nvPr>
+        </p:nvSpPr>
+        <p:spPr/>
+        <p:txBody>
+          <a:bodyPr/>
+          <a:lstStyle/>
+          <a:p>
+            <a:fld id="{15E5AFF4-0F21-4FA2-B6D0-ED544E39508F}" type="slidenum">
+              <a:rPr lang="en-US" smtClean="0"/>
+              <a:t>3</a:t>
+            </a:fld>
+            <a:endParaRPr lang="en-US"/>
+          </a:p>
+        </p:txBody>
+      </p:sp>
+    </p:spTree>
+    <p:extLst>
+      <p:ext uri="{BB962C8B-B14F-4D97-AF65-F5344CB8AC3E}">
+        <p14:creationId xmlns:p14="http://schemas.microsoft.com/office/powerpoint/2010/main" val="1556548513"/>
       </p:ext>
     </p:extLst>
   </p:cSld>
@@ -696,7 +875,7 @@
           <a:p>
             <a:fld id="{0C36B450-794D-49EA-A921-4CF5282E3E27}" type="datetimeFigureOut">
               <a:rPr lang="en-US" smtClean="0"/>
-              <a:t>4/13/2022</a:t>
+              <a:t>4/23/2022</a:t>
             </a:fld>
             <a:endParaRPr lang="en-US"/>
           </a:p>
@@ -922,7 +1101,7 @@
           <a:p>
             <a:fld id="{0C36B450-794D-49EA-A921-4CF5282E3E27}" type="datetimeFigureOut">
               <a:rPr lang="en-US" smtClean="0"/>
-              <a:t>4/13/2022</a:t>
+              <a:t>4/23/2022</a:t>
             </a:fld>
             <a:endParaRPr lang="en-US"/>
           </a:p>
@@ -1097,7 +1276,7 @@
           <a:p>
             <a:fld id="{0C36B450-794D-49EA-A921-4CF5282E3E27}" type="datetimeFigureOut">
               <a:rPr lang="en-US" smtClean="0"/>
-              <a:t>4/13/2022</a:t>
+              <a:t>4/23/2022</a:t>
             </a:fld>
             <a:endParaRPr lang="en-US"/>
           </a:p>
@@ -1262,7 +1441,7 @@
           <a:p>
             <a:fld id="{0C36B450-794D-49EA-A921-4CF5282E3E27}" type="datetimeFigureOut">
               <a:rPr lang="en-US" smtClean="0"/>
-              <a:t>4/13/2022</a:t>
+              <a:t>4/23/2022</a:t>
             </a:fld>
             <a:endParaRPr lang="en-US"/>
           </a:p>
@@ -1506,7 +1685,7 @@
           <a:p>
             <a:fld id="{0C36B450-794D-49EA-A921-4CF5282E3E27}" type="datetimeFigureOut">
               <a:rPr lang="en-US" smtClean="0"/>
-              <a:t>4/13/2022</a:t>
+              <a:t>4/23/2022</a:t>
             </a:fld>
             <a:endParaRPr lang="en-US"/>
           </a:p>
@@ -1770,7 +1949,7 @@
           <a:p>
             <a:fld id="{0C36B450-794D-49EA-A921-4CF5282E3E27}" type="datetimeFigureOut">
               <a:rPr lang="en-US" smtClean="0"/>
-              <a:t>4/13/2022</a:t>
+              <a:t>4/23/2022</a:t>
             </a:fld>
             <a:endParaRPr lang="en-US"/>
           </a:p>
@@ -2144,7 +2323,7 @@
           <a:p>
             <a:fld id="{0C36B450-794D-49EA-A921-4CF5282E3E27}" type="datetimeFigureOut">
               <a:rPr lang="en-US" smtClean="0"/>
-              <a:t>4/13/2022</a:t>
+              <a:t>4/23/2022</a:t>
             </a:fld>
             <a:endParaRPr lang="en-US"/>
           </a:p>
@@ -2257,7 +2436,7 @@
           <a:p>
             <a:fld id="{0C36B450-794D-49EA-A921-4CF5282E3E27}" type="datetimeFigureOut">
               <a:rPr lang="en-US" smtClean="0"/>
-              <a:t>4/13/2022</a:t>
+              <a:t>4/23/2022</a:t>
             </a:fld>
             <a:endParaRPr lang="en-US"/>
           </a:p>
@@ -2347,7 +2526,7 @@
           <a:p>
             <a:fld id="{0C36B450-794D-49EA-A921-4CF5282E3E27}" type="datetimeFigureOut">
               <a:rPr lang="en-US" smtClean="0"/>
-              <a:t>4/13/2022</a:t>
+              <a:t>4/23/2022</a:t>
             </a:fld>
             <a:endParaRPr lang="en-US"/>
           </a:p>
@@ -2605,7 +2784,7 @@
           <a:p>
             <a:fld id="{0C36B450-794D-49EA-A921-4CF5282E3E27}" type="datetimeFigureOut">
               <a:rPr lang="en-US" smtClean="0"/>
-              <a:t>4/13/2022</a:t>
+              <a:t>4/23/2022</a:t>
             </a:fld>
             <a:endParaRPr lang="en-US"/>
           </a:p>
@@ -2869,7 +3048,7 @@
           <a:p>
             <a:fld id="{0C36B450-794D-49EA-A921-4CF5282E3E27}" type="datetimeFigureOut">
               <a:rPr lang="en-US" smtClean="0"/>
-              <a:t>4/13/2022</a:t>
+              <a:t>4/23/2022</a:t>
             </a:fld>
             <a:endParaRPr lang="en-US"/>
           </a:p>
@@ -3086,7 +3265,7 @@
           <a:p>
             <a:fld id="{0C36B450-794D-49EA-A921-4CF5282E3E27}" type="datetimeFigureOut">
               <a:rPr lang="en-US" smtClean="0"/>
-              <a:t>4/13/2022</a:t>
+              <a:t>4/23/2022</a:t>
             </a:fld>
             <a:endParaRPr lang="en-US"/>
           </a:p>
@@ -3526,7 +3705,12 @@
             <p:ph type="title"/>
           </p:nvPr>
         </p:nvSpPr>
-        <p:spPr/>
+        <p:spPr>
+          <a:xfrm>
+            <a:off x="0" y="274638"/>
+            <a:ext cx="9144000" cy="1325562"/>
+          </a:xfrm>
+        </p:spPr>
         <p:txBody>
           <a:bodyPr/>
           <a:lstStyle/>
@@ -3551,8 +3735,8 @@
         </p:nvSpPr>
         <p:spPr>
           <a:xfrm>
-            <a:off x="2476500" y="1905000"/>
-            <a:ext cx="4191000" cy="2514600"/>
+            <a:off x="838200" y="1600200"/>
+            <a:ext cx="8305800" cy="2514600"/>
           </a:xfrm>
         </p:spPr>
         <p:txBody>
@@ -3646,52 +3830,208 @@
             <p:ph type="title"/>
           </p:nvPr>
         </p:nvSpPr>
-        <p:spPr/>
+        <p:spPr>
+          <a:xfrm>
+            <a:off x="0" y="76200"/>
+            <a:ext cx="9144000" cy="1524000"/>
+          </a:xfrm>
+        </p:spPr>
         <p:txBody>
           <a:bodyPr/>
           <a:lstStyle/>
           <a:p>
             <a:r>
               <a:rPr lang="en-US" dirty="0" smtClean="0"/>
-              <a:t>Landing Page</a:t>
+              <a:t>Objectives </a:t>
             </a:r>
             <a:endParaRPr lang="en-US" dirty="0"/>
+          </a:p>
+        </p:txBody>
+      </p:sp>
+      <p:sp>
+        <p:nvSpPr>
+          <p:cNvPr id="3" name="TextBox 2"/>
+          <p:cNvSpPr txBox="1"/>
+          <p:nvPr/>
+        </p:nvSpPr>
+        <p:spPr>
+          <a:xfrm>
+            <a:off x="849293" y="1295400"/>
+            <a:ext cx="8240210" cy="3785652"/>
+          </a:xfrm>
+          <a:prstGeom prst="rect">
+            <a:avLst/>
+          </a:prstGeom>
+          <a:noFill/>
+        </p:spPr>
+        <p:txBody>
+          <a:bodyPr wrap="square" rtlCol="0">
+            <a:spAutoFit/>
+          </a:bodyPr>
+          <a:lstStyle/>
+          <a:p>
+            <a:pPr>
+              <a:lnSpc>
+                <a:spcPct val="200000"/>
+              </a:lnSpc>
+            </a:pPr>
+            <a:r>
+              <a:rPr lang="en-US" sz="2000" dirty="0"/>
+              <a:t>A</a:t>
+            </a:r>
+            <a:r>
+              <a:rPr lang="en-US" sz="2000" dirty="0" smtClean="0"/>
+              <a:t> </a:t>
+            </a:r>
+            <a:r>
+              <a:rPr lang="en-US" sz="2000" dirty="0"/>
+              <a:t>RESTful API was </a:t>
+            </a:r>
+            <a:r>
+              <a:rPr lang="en-US" sz="2000" dirty="0" smtClean="0"/>
+              <a:t>created using: </a:t>
+            </a:r>
+          </a:p>
+          <a:p>
+            <a:pPr marL="285750" indent="-285750">
+              <a:lnSpc>
+                <a:spcPct val="200000"/>
+              </a:lnSpc>
+              <a:buFont typeface="Arial" panose="020B0604020202020204" pitchFamily="34" charset="0"/>
+              <a:buChar char="•"/>
+            </a:pPr>
+            <a:r>
+              <a:rPr lang="en-US" sz="2000" dirty="0" smtClean="0"/>
+              <a:t>JavaScript </a:t>
+            </a:r>
+            <a:r>
+              <a:rPr lang="en-US" sz="2000" dirty="0" smtClean="0"/>
+              <a:t>for function execution</a:t>
+            </a:r>
+          </a:p>
+          <a:p>
+            <a:pPr marL="285750" indent="-285750">
+              <a:lnSpc>
+                <a:spcPct val="200000"/>
+              </a:lnSpc>
+              <a:buFont typeface="Arial" panose="020B0604020202020204" pitchFamily="34" charset="0"/>
+              <a:buChar char="•"/>
+            </a:pPr>
+            <a:r>
+              <a:rPr lang="en-US" sz="2000" dirty="0" smtClean="0"/>
+              <a:t> Node.js libraries</a:t>
+            </a:r>
+          </a:p>
+          <a:p>
+            <a:pPr marL="285750" indent="-285750">
+              <a:lnSpc>
+                <a:spcPct val="200000"/>
+              </a:lnSpc>
+              <a:buFont typeface="Arial" panose="020B0604020202020204" pitchFamily="34" charset="0"/>
+              <a:buChar char="•"/>
+            </a:pPr>
+            <a:r>
+              <a:rPr lang="en-US" sz="2000" dirty="0" smtClean="0"/>
+              <a:t>Used Express to create a server </a:t>
+            </a:r>
+          </a:p>
+          <a:p>
+            <a:pPr marL="285750" indent="-285750">
+              <a:lnSpc>
+                <a:spcPct val="200000"/>
+              </a:lnSpc>
+              <a:buFont typeface="Arial" panose="020B0604020202020204" pitchFamily="34" charset="0"/>
+              <a:buChar char="•"/>
+            </a:pPr>
+            <a:r>
+              <a:rPr lang="en-US" sz="2000" dirty="0" smtClean="0"/>
+              <a:t>Used PostgreSQL for the database</a:t>
+            </a:r>
+          </a:p>
+          <a:p>
+            <a:pPr marL="285750" indent="-285750">
+              <a:lnSpc>
+                <a:spcPct val="200000"/>
+              </a:lnSpc>
+              <a:buFont typeface="Arial" panose="020B0604020202020204" pitchFamily="34" charset="0"/>
+              <a:buChar char="•"/>
+            </a:pPr>
+            <a:r>
+              <a:rPr lang="en-US" sz="2000" dirty="0" smtClean="0"/>
+              <a:t> Front End Application was implemented using React</a:t>
+            </a:r>
+            <a:endParaRPr lang="en-US" sz="2000" dirty="0"/>
           </a:p>
         </p:txBody>
       </p:sp>
       <p:pic>
         <p:nvPicPr>
-          <p:cNvPr id="4" name="Content Placeholder 3"/>
+          <p:cNvPr id="1026" name="Picture 2"/>
           <p:cNvPicPr>
-            <a:picLocks noGrp="1" noChangeAspect="1"/>
+            <a:picLocks noChangeAspect="1" noChangeArrowheads="1"/>
           </p:cNvPicPr>
-          <p:nvPr>
-            <p:ph idx="1"/>
-          </p:nvPr>
+          <p:nvPr/>
         </p:nvPicPr>
         <p:blipFill>
-          <a:blip r:embed="rId2">
+          <a:blip r:embed="rId3" cstate="print">
             <a:extLst>
               <a:ext uri="{28A0092B-C50C-407E-A947-70E740481C1C}">
                 <a14:useLocalDpi xmlns:a14="http://schemas.microsoft.com/office/drawing/2010/main" val="0"/>
               </a:ext>
             </a:extLst>
           </a:blip>
+          <a:srcRect/>
           <a:stretch>
             <a:fillRect/>
           </a:stretch>
         </p:blipFill>
-        <p:spPr>
+        <p:spPr bwMode="auto">
           <a:xfrm>
-            <a:off x="691827" y="1600200"/>
-            <a:ext cx="7760346" cy="4708525"/>
+            <a:off x="5181600" y="1524000"/>
+            <a:ext cx="3586389" cy="2836346"/>
           </a:xfrm>
+          <a:prstGeom prst="rect">
+            <a:avLst/>
+          </a:prstGeom>
+          <a:noFill/>
+          <a:ln>
+            <a:noFill/>
+          </a:ln>
+          <a:effectLst/>
+          <a:extLst>
+            <a:ext uri="{909E8E84-426E-40DD-AFC4-6F175D3DCCD1}">
+              <a14:hiddenFill xmlns:a14="http://schemas.microsoft.com/office/drawing/2010/main">
+                <a:solidFill>
+                  <a:schemeClr val="accent1"/>
+                </a:solidFill>
+              </a14:hiddenFill>
+            </a:ext>
+            <a:ext uri="{91240B29-F687-4F45-9708-019B960494DF}">
+              <a14:hiddenLine xmlns:a14="http://schemas.microsoft.com/office/drawing/2010/main" w="9525">
+                <a:solidFill>
+                  <a:schemeClr val="tx1"/>
+                </a:solidFill>
+                <a:miter lim="800000"/>
+                <a:headEnd/>
+                <a:tailEnd/>
+              </a14:hiddenLine>
+            </a:ext>
+            <a:ext uri="{AF507438-7753-43E0-B8FC-AC1667EBCBE1}">
+              <a14:hiddenEffects xmlns:a14="http://schemas.microsoft.com/office/drawing/2010/main">
+                <a:effectLst>
+                  <a:outerShdw dist="35921" dir="2700000" algn="ctr" rotWithShape="0">
+                    <a:schemeClr val="bg2"/>
+                  </a:outerShdw>
+                </a:effectLst>
+              </a14:hiddenEffects>
+            </a:ext>
+          </a:extLst>
         </p:spPr>
       </p:pic>
     </p:spTree>
     <p:extLst>
       <p:ext uri="{BB962C8B-B14F-4D97-AF65-F5344CB8AC3E}">
-        <p14:creationId xmlns:p14="http://schemas.microsoft.com/office/powerpoint/2010/main" val="1049065207"/>
+        <p14:creationId xmlns:p14="http://schemas.microsoft.com/office/powerpoint/2010/main" val="3727242249"/>
       </p:ext>
     </p:extLst>
   </p:cSld>
@@ -3735,7 +4075,7 @@
           <a:p>
             <a:r>
               <a:rPr lang="en-US" dirty="0" smtClean="0"/>
-              <a:t>Overview </a:t>
+              <a:t>Functionality</a:t>
             </a:r>
             <a:endParaRPr lang="en-US" dirty="0"/>
           </a:p>
@@ -3749,8 +4089,8 @@
         </p:nvSpPr>
         <p:spPr>
           <a:xfrm>
-            <a:off x="1143000" y="2075329"/>
-            <a:ext cx="6781800" cy="3785652"/>
+            <a:off x="825649" y="1295400"/>
+            <a:ext cx="7391400" cy="4678204"/>
           </a:xfrm>
           <a:prstGeom prst="rect">
             <a:avLst/>
@@ -3762,29 +4102,6 @@
             <a:spAutoFit/>
           </a:bodyPr>
           <a:lstStyle/>
-          <a:p>
-            <a:pPr>
-              <a:lnSpc>
-                <a:spcPct val="200000"/>
-              </a:lnSpc>
-            </a:pPr>
-            <a:r>
-              <a:rPr lang="en-US" sz="2000" dirty="0"/>
-              <a:t>A</a:t>
-            </a:r>
-            <a:r>
-              <a:rPr lang="en-US" sz="2000" dirty="0" smtClean="0"/>
-              <a:t> </a:t>
-            </a:r>
-            <a:r>
-              <a:rPr lang="en-US" sz="2000" dirty="0"/>
-              <a:t>RESTful API was </a:t>
-            </a:r>
-            <a:r>
-              <a:rPr lang="en-US" sz="2000" dirty="0" smtClean="0"/>
-              <a:t>created using: </a:t>
-            </a:r>
-          </a:p>
           <a:p>
             <a:pPr marL="285750" indent="-285750">
               <a:lnSpc>
@@ -3794,13 +4111,26 @@
               <a:buChar char="•"/>
             </a:pPr>
             <a:r>
-              <a:rPr lang="en-US" sz="2000" dirty="0" err="1" smtClean="0"/>
-              <a:t>Javascript</a:t>
-            </a:r>
-            <a:r>
               <a:rPr lang="en-US" sz="2000" dirty="0" smtClean="0"/>
-              <a:t> for function execution</a:t>
-            </a:r>
+              <a:t>Clients </a:t>
+            </a:r>
+            <a:r>
+              <a:rPr lang="en-US" sz="2000" dirty="0"/>
+              <a:t>of the API </a:t>
+            </a:r>
+            <a:r>
+              <a:rPr lang="en-US" sz="2000" dirty="0" smtClean="0"/>
+              <a:t>are able </a:t>
+            </a:r>
+            <a:r>
+              <a:rPr lang="en-US" sz="2000" dirty="0"/>
+              <a:t>to log into the API and then provide data to authorized </a:t>
+            </a:r>
+            <a:r>
+              <a:rPr lang="en-US" sz="2000" dirty="0" smtClean="0"/>
+              <a:t>clients.</a:t>
+            </a:r>
+            <a:endParaRPr lang="en-US" sz="2000" dirty="0" smtClean="0"/>
           </a:p>
           <a:p>
             <a:pPr marL="285750" indent="-285750">
@@ -3811,9 +4141,14 @@
               <a:buChar char="•"/>
             </a:pPr>
             <a:r>
+              <a:rPr lang="en-US" sz="2000" dirty="0"/>
+              <a:t>Usage of the project is for displaying employee names and emails for authorized users for a company in any easy to use, accessible </a:t>
+            </a:r>
+            <a:r>
               <a:rPr lang="en-US" sz="2000" dirty="0" smtClean="0"/>
-              <a:t> Node.js libraries</a:t>
-            </a:r>
+              <a:t>app.</a:t>
+            </a:r>
+            <a:endParaRPr lang="en-US" sz="2000" dirty="0" smtClean="0"/>
           </a:p>
           <a:p>
             <a:pPr marL="285750" indent="-285750">
@@ -3824,43 +4159,28 @@
               <a:buChar char="•"/>
             </a:pPr>
             <a:r>
+              <a:rPr lang="en-US" sz="2000" dirty="0"/>
+              <a:t>Authentication of users was implemented using </a:t>
+            </a:r>
+            <a:r>
               <a:rPr lang="en-US" sz="2000" dirty="0" smtClean="0"/>
-              <a:t>Used Express to create a server </a:t>
-            </a:r>
-          </a:p>
-          <a:p>
-            <a:pPr marL="285750" indent="-285750">
-              <a:lnSpc>
-                <a:spcPct val="200000"/>
-              </a:lnSpc>
-              <a:buFont typeface="Arial" panose="020B0604020202020204" pitchFamily="34" charset="0"/>
-              <a:buChar char="•"/>
-            </a:pPr>
+              <a:t>Auth0 security protocol with the use of JSON  Web </a:t>
+            </a:r>
             <a:r>
               <a:rPr lang="en-US" sz="2000" dirty="0" smtClean="0"/>
-              <a:t>Used PostgreSQL for the database</a:t>
-            </a:r>
-          </a:p>
-          <a:p>
-            <a:pPr marL="285750" indent="-285750">
-              <a:lnSpc>
-                <a:spcPct val="200000"/>
-              </a:lnSpc>
-              <a:buFont typeface="Arial" panose="020B0604020202020204" pitchFamily="34" charset="0"/>
-              <a:buChar char="•"/>
-            </a:pPr>
-            <a:r>
-              <a:rPr lang="en-US" sz="2000" dirty="0" smtClean="0"/>
-              <a:t> Front End Application was implemented using React</a:t>
+              <a:t>tokens.</a:t>
             </a:r>
             <a:endParaRPr lang="en-US" sz="2000" dirty="0"/>
+          </a:p>
+          <a:p>
+            <a:endParaRPr lang="en-US" dirty="0"/>
           </a:p>
         </p:txBody>
       </p:sp>
     </p:spTree>
     <p:extLst>
       <p:ext uri="{BB962C8B-B14F-4D97-AF65-F5344CB8AC3E}">
-        <p14:creationId xmlns:p14="http://schemas.microsoft.com/office/powerpoint/2010/main" val="3727242249"/>
+        <p14:creationId xmlns:p14="http://schemas.microsoft.com/office/powerpoint/2010/main" val="2844487548"/>
       </p:ext>
     </p:extLst>
   </p:cSld>
@@ -3904,130 +4224,45 @@
           <a:p>
             <a:r>
               <a:rPr lang="en-US" dirty="0" smtClean="0"/>
-              <a:t>Functionality</a:t>
+              <a:t>Landing Page</a:t>
             </a:r>
             <a:endParaRPr lang="en-US" dirty="0"/>
           </a:p>
         </p:txBody>
       </p:sp>
-      <p:sp>
-        <p:nvSpPr>
-          <p:cNvPr id="3" name="TextBox 2"/>
-          <p:cNvSpPr txBox="1"/>
-          <p:nvPr/>
-        </p:nvSpPr>
+      <p:pic>
+        <p:nvPicPr>
+          <p:cNvPr id="4" name="Content Placeholder 3"/>
+          <p:cNvPicPr>
+            <a:picLocks noGrp="1" noChangeAspect="1"/>
+          </p:cNvPicPr>
+          <p:nvPr>
+            <p:ph idx="1"/>
+          </p:nvPr>
+        </p:nvPicPr>
+        <p:blipFill>
+          <a:blip r:embed="rId2">
+            <a:extLst>
+              <a:ext uri="{28A0092B-C50C-407E-A947-70E740481C1C}">
+                <a14:useLocalDpi xmlns:a14="http://schemas.microsoft.com/office/drawing/2010/main" val="0"/>
+              </a:ext>
+            </a:extLst>
+          </a:blip>
+          <a:stretch>
+            <a:fillRect/>
+          </a:stretch>
+        </p:blipFill>
         <p:spPr>
           <a:xfrm>
-            <a:off x="825649" y="1295400"/>
-            <a:ext cx="7391400" cy="6524863"/>
+            <a:off x="691827" y="2323179"/>
+            <a:ext cx="7760346" cy="3262567"/>
           </a:xfrm>
-          <a:prstGeom prst="rect">
-            <a:avLst/>
-          </a:prstGeom>
-          <a:noFill/>
         </p:spPr>
-        <p:txBody>
-          <a:bodyPr wrap="square" rtlCol="0">
-            <a:spAutoFit/>
-          </a:bodyPr>
-          <a:lstStyle/>
-          <a:p>
-            <a:pPr>
-              <a:lnSpc>
-                <a:spcPct val="200000"/>
-              </a:lnSpc>
-            </a:pPr>
-            <a:endParaRPr lang="en-US" sz="2000" dirty="0" smtClean="0"/>
-          </a:p>
-          <a:p>
-            <a:pPr marL="285750" indent="-285750">
-              <a:lnSpc>
-                <a:spcPct val="200000"/>
-              </a:lnSpc>
-              <a:buFont typeface="Arial" panose="020B0604020202020204" pitchFamily="34" charset="0"/>
-              <a:buChar char="•"/>
-            </a:pPr>
-            <a:r>
-              <a:rPr lang="en-US" sz="2000" dirty="0"/>
-              <a:t>Clients of the API </a:t>
-            </a:r>
-            <a:r>
-              <a:rPr lang="en-US" sz="2000" dirty="0" smtClean="0"/>
-              <a:t>are able </a:t>
-            </a:r>
-            <a:r>
-              <a:rPr lang="en-US" sz="2000" dirty="0"/>
-              <a:t>to log into the API and then provide data to authorized </a:t>
-            </a:r>
-            <a:r>
-              <a:rPr lang="en-US" sz="2000" dirty="0" smtClean="0"/>
-              <a:t>clients</a:t>
-            </a:r>
-          </a:p>
-          <a:p>
-            <a:pPr marL="285750" indent="-285750">
-              <a:lnSpc>
-                <a:spcPct val="200000"/>
-              </a:lnSpc>
-              <a:buFont typeface="Arial" panose="020B0604020202020204" pitchFamily="34" charset="0"/>
-              <a:buChar char="•"/>
-            </a:pPr>
-            <a:r>
-              <a:rPr lang="en-US" sz="2000" dirty="0"/>
-              <a:t>Usage of the project is for displaying employee names and emails for authorized users for a company in any easy to use, accessible </a:t>
-            </a:r>
-            <a:r>
-              <a:rPr lang="en-US" sz="2000" dirty="0" smtClean="0"/>
-              <a:t>app</a:t>
-            </a:r>
-          </a:p>
-          <a:p>
-            <a:pPr marL="285750" indent="-285750">
-              <a:lnSpc>
-                <a:spcPct val="200000"/>
-              </a:lnSpc>
-              <a:buFont typeface="Arial" panose="020B0604020202020204" pitchFamily="34" charset="0"/>
-              <a:buChar char="•"/>
-            </a:pPr>
-            <a:r>
-              <a:rPr lang="en-US" sz="2000" dirty="0"/>
-              <a:t>Authentication of users was implemented using </a:t>
-            </a:r>
-            <a:r>
-              <a:rPr lang="en-US" sz="2000" dirty="0" smtClean="0"/>
-              <a:t>Auth0 security protocol with the use of JSON  Web tokens</a:t>
-            </a:r>
-            <a:endParaRPr lang="en-US" sz="2000" dirty="0"/>
-          </a:p>
-          <a:p>
-            <a:pPr marL="285750" indent="-285750">
-              <a:lnSpc>
-                <a:spcPct val="200000"/>
-              </a:lnSpc>
-              <a:buFont typeface="Arial" panose="020B0604020202020204" pitchFamily="34" charset="0"/>
-              <a:buChar char="•"/>
-            </a:pPr>
-            <a:endParaRPr lang="en-US" sz="2000" dirty="0"/>
-          </a:p>
-          <a:p>
-            <a:pPr marL="285750" indent="-285750">
-              <a:lnSpc>
-                <a:spcPct val="200000"/>
-              </a:lnSpc>
-              <a:buFont typeface="Arial" panose="020B0604020202020204" pitchFamily="34" charset="0"/>
-              <a:buChar char="•"/>
-            </a:pPr>
-            <a:endParaRPr lang="en-US" sz="2000" dirty="0"/>
-          </a:p>
-          <a:p>
-            <a:endParaRPr lang="en-US" dirty="0"/>
-          </a:p>
-        </p:txBody>
-      </p:sp>
+      </p:pic>
     </p:spTree>
     <p:extLst>
       <p:ext uri="{BB962C8B-B14F-4D97-AF65-F5344CB8AC3E}">
-        <p14:creationId xmlns:p14="http://schemas.microsoft.com/office/powerpoint/2010/main" val="2844487548"/>
+        <p14:creationId xmlns:p14="http://schemas.microsoft.com/office/powerpoint/2010/main" val="1049065207"/>
       </p:ext>
     </p:extLst>
   </p:cSld>
@@ -4107,36 +4342,6 @@
           </a:p>
         </p:txBody>
       </p:sp>
-      <p:pic>
-        <p:nvPicPr>
-          <p:cNvPr id="4" name="Picture 3"/>
-          <p:cNvPicPr>
-            <a:picLocks noChangeAspect="1"/>
-          </p:cNvPicPr>
-          <p:nvPr/>
-        </p:nvPicPr>
-        <p:blipFill>
-          <a:blip r:embed="rId2">
-            <a:extLst>
-              <a:ext uri="{28A0092B-C50C-407E-A947-70E740481C1C}">
-                <a14:useLocalDpi xmlns:a14="http://schemas.microsoft.com/office/drawing/2010/main" val="0"/>
-              </a:ext>
-            </a:extLst>
-          </a:blip>
-          <a:stretch>
-            <a:fillRect/>
-          </a:stretch>
-        </p:blipFill>
-        <p:spPr>
-          <a:xfrm>
-            <a:off x="537882" y="304800"/>
-            <a:ext cx="7991679" cy="6322788"/>
-          </a:xfrm>
-          <a:prstGeom prst="rect">
-            <a:avLst/>
-          </a:prstGeom>
-        </p:spPr>
-      </p:pic>
     </p:spTree>
     <p:extLst>
       <p:ext uri="{BB962C8B-B14F-4D97-AF65-F5344CB8AC3E}">

--- a/Project 1.pptx
+++ b/Project 1.pptx
@@ -5,15 +5,14 @@
     <p:sldMasterId id="2147483660" r:id="rId1"/>
   </p:sldMasterIdLst>
   <p:notesMasterIdLst>
-    <p:notesMasterId r:id="rId8"/>
+    <p:notesMasterId r:id="rId7"/>
   </p:notesMasterIdLst>
   <p:sldIdLst>
     <p:sldId id="256" r:id="rId2"/>
-    <p:sldId id="262" r:id="rId3"/>
-    <p:sldId id="258" r:id="rId4"/>
+    <p:sldId id="258" r:id="rId3"/>
+    <p:sldId id="261" r:id="rId4"/>
     <p:sldId id="260" r:id="rId5"/>
-    <p:sldId id="261" r:id="rId6"/>
-    <p:sldId id="263" r:id="rId7"/>
+    <p:sldId id="263" r:id="rId6"/>
   </p:sldIdLst>
   <p:sldSz cx="9144000" cy="6858000" type="screen4x3"/>
   <p:notesSz cx="6858000" cy="9144000"/>
@@ -115,12 +114,12 @@
   <p:extLst>
     <p:ext uri="{EFAFB233-063F-42B5-8137-9DF3F51BA10A}">
       <p15:sldGuideLst xmlns:p15="http://schemas.microsoft.com/office/powerpoint/2012/main">
-        <p15:guide id="1" orient="horz" pos="2160">
+        <p15:guide id="1" orient="horz" pos="960" userDrawn="1">
           <p15:clr>
             <a:srgbClr val="A4A3A4"/>
           </p15:clr>
         </p15:guide>
-        <p15:guide id="2" pos="2880">
+        <p15:guide id="2" pos="528" userDrawn="1">
           <p15:clr>
             <a:srgbClr val="A4A3A4"/>
           </p15:clr>
@@ -213,7 +212,7 @@
           <a:p>
             <a:fld id="{4F909C2F-3E5B-4634-96A8-1378B030B86E}" type="datetimeFigureOut">
               <a:rPr lang="en-US" smtClean="0"/>
-              <a:t>4/13/2022</a:t>
+              <a:t>4/24/22</a:t>
             </a:fld>
             <a:endParaRPr lang="en-US"/>
           </a:p>
@@ -277,38 +276,37 @@
           <a:p>
             <a:pPr lvl="0"/>
             <a:r>
-              <a:rPr lang="en-US" smtClean="0"/>
+              <a:rPr lang="en-US"/>
               <a:t>Click to edit Master text styles</a:t>
             </a:r>
           </a:p>
           <a:p>
             <a:pPr lvl="1"/>
             <a:r>
-              <a:rPr lang="en-US" smtClean="0"/>
+              <a:rPr lang="en-US"/>
               <a:t>Second level</a:t>
             </a:r>
           </a:p>
           <a:p>
             <a:pPr lvl="2"/>
             <a:r>
-              <a:rPr lang="en-US" smtClean="0"/>
+              <a:rPr lang="en-US"/>
               <a:t>Third level</a:t>
             </a:r>
           </a:p>
           <a:p>
             <a:pPr lvl="3"/>
             <a:r>
-              <a:rPr lang="en-US" smtClean="0"/>
+              <a:rPr lang="en-US"/>
               <a:t>Fourth level</a:t>
             </a:r>
           </a:p>
           <a:p>
             <a:pPr lvl="4"/>
             <a:r>
-              <a:rPr lang="en-US" smtClean="0"/>
+              <a:rPr lang="en-US"/>
               <a:t>Fifth level</a:t>
             </a:r>
-            <a:endParaRPr lang="en-US"/>
           </a:p>
         </p:txBody>
       </p:sp>
@@ -526,26 +524,17 @@
           <a:lstStyle/>
           <a:p>
             <a:r>
-              <a:rPr lang="en-US" dirty="0" smtClean="0"/>
-              <a:t>Team members Mathew </a:t>
-            </a:r>
-            <a:r>
-              <a:rPr lang="en-US" dirty="0" err="1" smtClean="0"/>
-              <a:t>Nevish</a:t>
-            </a:r>
-            <a:r>
-              <a:rPr lang="en-US" dirty="0" smtClean="0"/>
-              <a:t>, Rosalinda Gutierrez, </a:t>
-            </a:r>
-            <a:r>
-              <a:rPr lang="en-US" dirty="0" err="1" smtClean="0"/>
+              <a:rPr lang="en-US" dirty="0"/>
+              <a:t>Team members Mathew Kott, Rosalinda Gutierrez, </a:t>
+            </a:r>
+            <a:r>
+              <a:rPr lang="en-US" dirty="0" err="1"/>
               <a:t>Kal</a:t>
             </a:r>
             <a:r>
-              <a:rPr lang="en-US" dirty="0" smtClean="0"/>
+              <a:rPr lang="en-US" dirty="0"/>
               <a:t> McClure, and Latham Graham</a:t>
             </a:r>
-            <a:endParaRPr lang="en-US" dirty="0"/>
           </a:p>
         </p:txBody>
       </p:sp>
@@ -576,6 +565,234 @@
     <p:extLst>
       <p:ext uri="{BB962C8B-B14F-4D97-AF65-F5344CB8AC3E}">
         <p14:creationId xmlns:p14="http://schemas.microsoft.com/office/powerpoint/2010/main" val="3152416693"/>
+      </p:ext>
+    </p:extLst>
+  </p:cSld>
+  <p:clrMapOvr>
+    <a:masterClrMapping/>
+  </p:clrMapOvr>
+</p:notes>
+</file>
+
+<file path=ppt/notesSlides/notesSlide2.xml><?xml version="1.0" encoding="utf-8"?>
+<p:notes xmlns:a="http://schemas.openxmlformats.org/drawingml/2006/main" xmlns:r="http://schemas.openxmlformats.org/officeDocument/2006/relationships" xmlns:p="http://schemas.openxmlformats.org/presentationml/2006/main">
+  <p:cSld>
+    <p:spTree>
+      <p:nvGrpSpPr>
+        <p:cNvPr id="1" name=""/>
+        <p:cNvGrpSpPr/>
+        <p:nvPr/>
+      </p:nvGrpSpPr>
+      <p:grpSpPr>
+        <a:xfrm>
+          <a:off x="0" y="0"/>
+          <a:ext cx="0" cy="0"/>
+          <a:chOff x="0" y="0"/>
+          <a:chExt cx="0" cy="0"/>
+        </a:xfrm>
+      </p:grpSpPr>
+      <p:sp>
+        <p:nvSpPr>
+          <p:cNvPr id="2" name="Slide Image Placeholder 1"/>
+          <p:cNvSpPr>
+            <a:spLocks noGrp="1" noRot="1" noChangeAspect="1"/>
+          </p:cNvSpPr>
+          <p:nvPr>
+            <p:ph type="sldImg"/>
+          </p:nvPr>
+        </p:nvSpPr>
+        <p:spPr/>
+      </p:sp>
+      <p:sp>
+        <p:nvSpPr>
+          <p:cNvPr id="3" name="Notes Placeholder 2"/>
+          <p:cNvSpPr>
+            <a:spLocks noGrp="1"/>
+          </p:cNvSpPr>
+          <p:nvPr>
+            <p:ph type="body" idx="1"/>
+          </p:nvPr>
+        </p:nvSpPr>
+        <p:spPr/>
+        <p:txBody>
+          <a:bodyPr/>
+          <a:lstStyle/>
+          <a:p>
+            <a:r>
+              <a:rPr lang="en-US" dirty="0"/>
+              <a:t>A Restful </a:t>
+            </a:r>
+            <a:r>
+              <a:rPr lang="en-US" dirty="0" err="1"/>
+              <a:t>Api</a:t>
+            </a:r>
+            <a:r>
+              <a:rPr lang="en-US" dirty="0"/>
+              <a:t> was accomplish by using JS for function execution, implementing </a:t>
+            </a:r>
+            <a:r>
+              <a:rPr lang="en-US" dirty="0" err="1"/>
+              <a:t>Node.JS</a:t>
+            </a:r>
+            <a:r>
+              <a:rPr lang="en-US" dirty="0"/>
+              <a:t>, creating the server with Express, </a:t>
+            </a:r>
+            <a:r>
+              <a:rPr lang="en-US" sz="1200" dirty="0"/>
+              <a:t>Front End Application was implemented using React</a:t>
+            </a:r>
+            <a:endParaRPr lang="en-US" dirty="0"/>
+          </a:p>
+        </p:txBody>
+      </p:sp>
+      <p:sp>
+        <p:nvSpPr>
+          <p:cNvPr id="4" name="Slide Number Placeholder 3"/>
+          <p:cNvSpPr>
+            <a:spLocks noGrp="1"/>
+          </p:cNvSpPr>
+          <p:nvPr>
+            <p:ph type="sldNum" sz="quarter" idx="10"/>
+          </p:nvPr>
+        </p:nvSpPr>
+        <p:spPr/>
+        <p:txBody>
+          <a:bodyPr/>
+          <a:lstStyle/>
+          <a:p>
+            <a:fld id="{15E5AFF4-0F21-4FA2-B6D0-ED544E39508F}" type="slidenum">
+              <a:rPr lang="en-US" smtClean="0"/>
+              <a:t>2</a:t>
+            </a:fld>
+            <a:endParaRPr lang="en-US"/>
+          </a:p>
+        </p:txBody>
+      </p:sp>
+    </p:spTree>
+    <p:extLst>
+      <p:ext uri="{BB962C8B-B14F-4D97-AF65-F5344CB8AC3E}">
+        <p14:creationId xmlns:p14="http://schemas.microsoft.com/office/powerpoint/2010/main" val="1406741195"/>
+      </p:ext>
+    </p:extLst>
+  </p:cSld>
+  <p:clrMapOvr>
+    <a:masterClrMapping/>
+  </p:clrMapOvr>
+</p:notes>
+</file>
+
+<file path=ppt/notesSlides/notesSlide3.xml><?xml version="1.0" encoding="utf-8"?>
+<p:notes xmlns:a="http://schemas.openxmlformats.org/drawingml/2006/main" xmlns:r="http://schemas.openxmlformats.org/officeDocument/2006/relationships" xmlns:p="http://schemas.openxmlformats.org/presentationml/2006/main">
+  <p:cSld>
+    <p:spTree>
+      <p:nvGrpSpPr>
+        <p:cNvPr id="1" name=""/>
+        <p:cNvGrpSpPr/>
+        <p:nvPr/>
+      </p:nvGrpSpPr>
+      <p:grpSpPr>
+        <a:xfrm>
+          <a:off x="0" y="0"/>
+          <a:ext cx="0" cy="0"/>
+          <a:chOff x="0" y="0"/>
+          <a:chExt cx="0" cy="0"/>
+        </a:xfrm>
+      </p:grpSpPr>
+      <p:sp>
+        <p:nvSpPr>
+          <p:cNvPr id="2" name="Slide Image Placeholder 1"/>
+          <p:cNvSpPr>
+            <a:spLocks noGrp="1" noRot="1" noChangeAspect="1"/>
+          </p:cNvSpPr>
+          <p:nvPr>
+            <p:ph type="sldImg"/>
+          </p:nvPr>
+        </p:nvSpPr>
+        <p:spPr/>
+      </p:sp>
+      <p:sp>
+        <p:nvSpPr>
+          <p:cNvPr id="3" name="Notes Placeholder 2"/>
+          <p:cNvSpPr>
+            <a:spLocks noGrp="1"/>
+          </p:cNvSpPr>
+          <p:nvPr>
+            <p:ph type="body" idx="1"/>
+          </p:nvPr>
+        </p:nvSpPr>
+        <p:spPr/>
+        <p:txBody>
+          <a:bodyPr/>
+          <a:lstStyle/>
+          <a:p>
+            <a:pPr marL="285750" indent="-285750">
+              <a:lnSpc>
+                <a:spcPct val="200000"/>
+              </a:lnSpc>
+              <a:buFont typeface="Arial" panose="020B0604020202020204" pitchFamily="34" charset="0"/>
+              <a:buChar char="•"/>
+            </a:pPr>
+            <a:r>
+              <a:rPr lang="en-US" sz="1200" dirty="0"/>
+              <a:t>Clients of the API are able to log into the API and then provide data to authorized clients.</a:t>
+            </a:r>
+          </a:p>
+          <a:p>
+            <a:pPr marL="285750" indent="-285750">
+              <a:lnSpc>
+                <a:spcPct val="200000"/>
+              </a:lnSpc>
+              <a:buFont typeface="Arial" panose="020B0604020202020204" pitchFamily="34" charset="0"/>
+              <a:buChar char="•"/>
+            </a:pPr>
+            <a:r>
+              <a:rPr lang="en-US" sz="1200" dirty="0"/>
+              <a:t>Usage of the project is for displaying employee names and emails for authorized users for a company in any easy to use, accessible app.</a:t>
+            </a:r>
+          </a:p>
+          <a:p>
+            <a:pPr marL="285750" indent="-285750">
+              <a:lnSpc>
+                <a:spcPct val="200000"/>
+              </a:lnSpc>
+              <a:buFont typeface="Arial" panose="020B0604020202020204" pitchFamily="34" charset="0"/>
+              <a:buChar char="•"/>
+            </a:pPr>
+            <a:r>
+              <a:rPr lang="en-US" sz="1200" dirty="0"/>
+              <a:t>Authentication of users was implemented using Auth0 security protocol with the use of JSON  Web tokens.</a:t>
+            </a:r>
+          </a:p>
+        </p:txBody>
+      </p:sp>
+      <p:sp>
+        <p:nvSpPr>
+          <p:cNvPr id="4" name="Slide Number Placeholder 3"/>
+          <p:cNvSpPr>
+            <a:spLocks noGrp="1"/>
+          </p:cNvSpPr>
+          <p:nvPr>
+            <p:ph type="sldNum" sz="quarter" idx="10"/>
+          </p:nvPr>
+        </p:nvSpPr>
+        <p:spPr/>
+        <p:txBody>
+          <a:bodyPr/>
+          <a:lstStyle/>
+          <a:p>
+            <a:fld id="{15E5AFF4-0F21-4FA2-B6D0-ED544E39508F}" type="slidenum">
+              <a:rPr lang="en-US" smtClean="0"/>
+              <a:t>4</a:t>
+            </a:fld>
+            <a:endParaRPr lang="en-US"/>
+          </a:p>
+        </p:txBody>
+      </p:sp>
+    </p:spTree>
+    <p:extLst>
+      <p:ext uri="{BB962C8B-B14F-4D97-AF65-F5344CB8AC3E}">
+        <p14:creationId xmlns:p14="http://schemas.microsoft.com/office/powerpoint/2010/main" val="1556548513"/>
       </p:ext>
     </p:extLst>
   </p:cSld>
@@ -672,10 +889,9 @@
           </a:lstStyle>
           <a:p>
             <a:r>
-              <a:rPr kumimoji="0" lang="en-US" smtClean="0"/>
+              <a:rPr kumimoji="0" lang="en-US"/>
               <a:t>Click to edit Master title style</a:t>
             </a:r>
-            <a:endParaRPr kumimoji="0" lang="en-US"/>
           </a:p>
         </p:txBody>
       </p:sp>
@@ -696,7 +912,7 @@
           <a:p>
             <a:fld id="{0C36B450-794D-49EA-A921-4CF5282E3E27}" type="datetimeFigureOut">
               <a:rPr lang="en-US" smtClean="0"/>
-              <a:t>4/13/2022</a:t>
+              <a:t>4/24/22</a:t>
             </a:fld>
             <a:endParaRPr lang="en-US"/>
           </a:p>
@@ -798,10 +1014,9 @@
           </a:lstStyle>
           <a:p>
             <a:r>
-              <a:rPr kumimoji="0" lang="en-US" smtClean="0"/>
+              <a:rPr kumimoji="0" lang="en-US"/>
               <a:t>Click to edit Master subtitle style</a:t>
             </a:r>
-            <a:endParaRPr kumimoji="0" lang="en-US"/>
           </a:p>
         </p:txBody>
       </p:sp>
@@ -846,10 +1061,9 @@
           <a:lstStyle/>
           <a:p>
             <a:r>
-              <a:rPr kumimoji="0" lang="en-US" smtClean="0"/>
+              <a:rPr kumimoji="0" lang="en-US"/>
               <a:t>Click to edit Master title style</a:t>
             </a:r>
-            <a:endParaRPr kumimoji="0" lang="en-US"/>
           </a:p>
         </p:txBody>
       </p:sp>
@@ -870,35 +1084,35 @@
           <a:p>
             <a:pPr lvl="0" eaLnBrk="1" latinLnBrk="0" hangingPunct="1"/>
             <a:r>
-              <a:rPr lang="en-US" smtClean="0"/>
+              <a:rPr lang="en-US"/>
               <a:t>Click to edit Master text styles</a:t>
             </a:r>
           </a:p>
           <a:p>
             <a:pPr lvl="1" eaLnBrk="1" latinLnBrk="0" hangingPunct="1"/>
             <a:r>
-              <a:rPr lang="en-US" smtClean="0"/>
+              <a:rPr lang="en-US"/>
               <a:t>Second level</a:t>
             </a:r>
           </a:p>
           <a:p>
             <a:pPr lvl="2" eaLnBrk="1" latinLnBrk="0" hangingPunct="1"/>
             <a:r>
-              <a:rPr lang="en-US" smtClean="0"/>
+              <a:rPr lang="en-US"/>
               <a:t>Third level</a:t>
             </a:r>
           </a:p>
           <a:p>
             <a:pPr lvl="3" eaLnBrk="1" latinLnBrk="0" hangingPunct="1"/>
             <a:r>
-              <a:rPr lang="en-US" smtClean="0"/>
+              <a:rPr lang="en-US"/>
               <a:t>Fourth level</a:t>
             </a:r>
           </a:p>
           <a:p>
             <a:pPr lvl="4" eaLnBrk="1" latinLnBrk="0" hangingPunct="1"/>
             <a:r>
-              <a:rPr lang="en-US" smtClean="0"/>
+              <a:rPr lang="en-US"/>
               <a:t>Fifth level</a:t>
             </a:r>
             <a:endParaRPr kumimoji="0" lang="en-US"/>
@@ -922,7 +1136,7 @@
           <a:p>
             <a:fld id="{0C36B450-794D-49EA-A921-4CF5282E3E27}" type="datetimeFigureOut">
               <a:rPr lang="en-US" smtClean="0"/>
-              <a:t>4/13/2022</a:t>
+              <a:t>4/24/22</a:t>
             </a:fld>
             <a:endParaRPr lang="en-US"/>
           </a:p>
@@ -1016,10 +1230,9 @@
           <a:lstStyle/>
           <a:p>
             <a:r>
-              <a:rPr kumimoji="0" lang="en-US" smtClean="0"/>
+              <a:rPr kumimoji="0" lang="en-US"/>
               <a:t>Click to edit Master title style</a:t>
             </a:r>
-            <a:endParaRPr kumimoji="0" lang="en-US"/>
           </a:p>
         </p:txBody>
       </p:sp>
@@ -1045,35 +1258,35 @@
           <a:p>
             <a:pPr lvl="0" eaLnBrk="1" latinLnBrk="0" hangingPunct="1"/>
             <a:r>
-              <a:rPr lang="en-US" smtClean="0"/>
+              <a:rPr lang="en-US"/>
               <a:t>Click to edit Master text styles</a:t>
             </a:r>
           </a:p>
           <a:p>
             <a:pPr lvl="1" eaLnBrk="1" latinLnBrk="0" hangingPunct="1"/>
             <a:r>
-              <a:rPr lang="en-US" smtClean="0"/>
+              <a:rPr lang="en-US"/>
               <a:t>Second level</a:t>
             </a:r>
           </a:p>
           <a:p>
             <a:pPr lvl="2" eaLnBrk="1" latinLnBrk="0" hangingPunct="1"/>
             <a:r>
-              <a:rPr lang="en-US" smtClean="0"/>
+              <a:rPr lang="en-US"/>
               <a:t>Third level</a:t>
             </a:r>
           </a:p>
           <a:p>
             <a:pPr lvl="3" eaLnBrk="1" latinLnBrk="0" hangingPunct="1"/>
             <a:r>
-              <a:rPr lang="en-US" smtClean="0"/>
+              <a:rPr lang="en-US"/>
               <a:t>Fourth level</a:t>
             </a:r>
           </a:p>
           <a:p>
             <a:pPr lvl="4" eaLnBrk="1" latinLnBrk="0" hangingPunct="1"/>
             <a:r>
-              <a:rPr lang="en-US" smtClean="0"/>
+              <a:rPr lang="en-US"/>
               <a:t>Fifth level</a:t>
             </a:r>
             <a:endParaRPr kumimoji="0" lang="en-US"/>
@@ -1097,7 +1310,7 @@
           <a:p>
             <a:fld id="{0C36B450-794D-49EA-A921-4CF5282E3E27}" type="datetimeFigureOut">
               <a:rPr lang="en-US" smtClean="0"/>
-              <a:t>4/13/2022</a:t>
+              <a:t>4/24/22</a:t>
             </a:fld>
             <a:endParaRPr lang="en-US"/>
           </a:p>
@@ -1186,10 +1399,9 @@
           <a:lstStyle/>
           <a:p>
             <a:r>
-              <a:rPr kumimoji="0" lang="en-US" smtClean="0"/>
+              <a:rPr kumimoji="0" lang="en-US"/>
               <a:t>Click to edit Master title style</a:t>
             </a:r>
-            <a:endParaRPr kumimoji="0" lang="en-US"/>
           </a:p>
         </p:txBody>
       </p:sp>
@@ -1210,35 +1422,35 @@
           <a:p>
             <a:pPr lvl="0" eaLnBrk="1" latinLnBrk="0" hangingPunct="1"/>
             <a:r>
-              <a:rPr lang="en-US" smtClean="0"/>
+              <a:rPr lang="en-US"/>
               <a:t>Click to edit Master text styles</a:t>
             </a:r>
           </a:p>
           <a:p>
             <a:pPr lvl="1" eaLnBrk="1" latinLnBrk="0" hangingPunct="1"/>
             <a:r>
-              <a:rPr lang="en-US" smtClean="0"/>
+              <a:rPr lang="en-US"/>
               <a:t>Second level</a:t>
             </a:r>
           </a:p>
           <a:p>
             <a:pPr lvl="2" eaLnBrk="1" latinLnBrk="0" hangingPunct="1"/>
             <a:r>
-              <a:rPr lang="en-US" smtClean="0"/>
+              <a:rPr lang="en-US"/>
               <a:t>Third level</a:t>
             </a:r>
           </a:p>
           <a:p>
             <a:pPr lvl="3" eaLnBrk="1" latinLnBrk="0" hangingPunct="1"/>
             <a:r>
-              <a:rPr lang="en-US" smtClean="0"/>
+              <a:rPr lang="en-US"/>
               <a:t>Fourth level</a:t>
             </a:r>
           </a:p>
           <a:p>
             <a:pPr lvl="4" eaLnBrk="1" latinLnBrk="0" hangingPunct="1"/>
             <a:r>
-              <a:rPr lang="en-US" smtClean="0"/>
+              <a:rPr lang="en-US"/>
               <a:t>Fifth level</a:t>
             </a:r>
             <a:endParaRPr kumimoji="0" lang="en-US"/>
@@ -1262,7 +1474,7 @@
           <a:p>
             <a:fld id="{0C36B450-794D-49EA-A921-4CF5282E3E27}" type="datetimeFigureOut">
               <a:rPr lang="en-US" smtClean="0"/>
-              <a:t>4/13/2022</a:t>
+              <a:t>4/24/22</a:t>
             </a:fld>
             <a:endParaRPr lang="en-US"/>
           </a:p>
@@ -1405,10 +1617,9 @@
           </a:lstStyle>
           <a:p>
             <a:r>
-              <a:rPr kumimoji="0" lang="en-US" smtClean="0"/>
+              <a:rPr kumimoji="0" lang="en-US"/>
               <a:t>Click to edit Master title style</a:t>
             </a:r>
-            <a:endParaRPr kumimoji="0" lang="en-US"/>
           </a:p>
         </p:txBody>
       </p:sp>
@@ -1483,7 +1694,7 @@
           <a:p>
             <a:pPr lvl="0" eaLnBrk="1" latinLnBrk="0" hangingPunct="1"/>
             <a:r>
-              <a:rPr kumimoji="0" lang="en-US" smtClean="0"/>
+              <a:rPr kumimoji="0" lang="en-US"/>
               <a:t>Click to edit Master text styles</a:t>
             </a:r>
           </a:p>
@@ -1506,7 +1717,7 @@
           <a:p>
             <a:fld id="{0C36B450-794D-49EA-A921-4CF5282E3E27}" type="datetimeFigureOut">
               <a:rPr lang="en-US" smtClean="0"/>
-              <a:t>4/13/2022</a:t>
+              <a:t>4/24/22</a:t>
             </a:fld>
             <a:endParaRPr lang="en-US"/>
           </a:p>
@@ -1600,10 +1811,9 @@
           <a:lstStyle/>
           <a:p>
             <a:r>
-              <a:rPr kumimoji="0" lang="en-US" smtClean="0"/>
+              <a:rPr kumimoji="0" lang="en-US"/>
               <a:t>Click to edit Master title style</a:t>
             </a:r>
-            <a:endParaRPr kumimoji="0" lang="en-US"/>
           </a:p>
         </p:txBody>
       </p:sp>
@@ -1645,35 +1855,35 @@
           <a:p>
             <a:pPr lvl="0" eaLnBrk="1" latinLnBrk="0" hangingPunct="1"/>
             <a:r>
-              <a:rPr lang="en-US" smtClean="0"/>
+              <a:rPr lang="en-US"/>
               <a:t>Click to edit Master text styles</a:t>
             </a:r>
           </a:p>
           <a:p>
             <a:pPr lvl="1" eaLnBrk="1" latinLnBrk="0" hangingPunct="1"/>
             <a:r>
-              <a:rPr lang="en-US" smtClean="0"/>
+              <a:rPr lang="en-US"/>
               <a:t>Second level</a:t>
             </a:r>
           </a:p>
           <a:p>
             <a:pPr lvl="2" eaLnBrk="1" latinLnBrk="0" hangingPunct="1"/>
             <a:r>
-              <a:rPr lang="en-US" smtClean="0"/>
+              <a:rPr lang="en-US"/>
               <a:t>Third level</a:t>
             </a:r>
           </a:p>
           <a:p>
             <a:pPr lvl="3" eaLnBrk="1" latinLnBrk="0" hangingPunct="1"/>
             <a:r>
-              <a:rPr lang="en-US" smtClean="0"/>
+              <a:rPr lang="en-US"/>
               <a:t>Fourth level</a:t>
             </a:r>
           </a:p>
           <a:p>
             <a:pPr lvl="4" eaLnBrk="1" latinLnBrk="0" hangingPunct="1"/>
             <a:r>
-              <a:rPr lang="en-US" smtClean="0"/>
+              <a:rPr lang="en-US"/>
               <a:t>Fifth level</a:t>
             </a:r>
             <a:endParaRPr kumimoji="0" lang="en-US"/>
@@ -1718,35 +1928,35 @@
           <a:p>
             <a:pPr lvl="0" eaLnBrk="1" latinLnBrk="0" hangingPunct="1"/>
             <a:r>
-              <a:rPr lang="en-US" smtClean="0"/>
+              <a:rPr lang="en-US"/>
               <a:t>Click to edit Master text styles</a:t>
             </a:r>
           </a:p>
           <a:p>
             <a:pPr lvl="1" eaLnBrk="1" latinLnBrk="0" hangingPunct="1"/>
             <a:r>
-              <a:rPr lang="en-US" smtClean="0"/>
+              <a:rPr lang="en-US"/>
               <a:t>Second level</a:t>
             </a:r>
           </a:p>
           <a:p>
             <a:pPr lvl="2" eaLnBrk="1" latinLnBrk="0" hangingPunct="1"/>
             <a:r>
-              <a:rPr lang="en-US" smtClean="0"/>
+              <a:rPr lang="en-US"/>
               <a:t>Third level</a:t>
             </a:r>
           </a:p>
           <a:p>
             <a:pPr lvl="3" eaLnBrk="1" latinLnBrk="0" hangingPunct="1"/>
             <a:r>
-              <a:rPr lang="en-US" smtClean="0"/>
+              <a:rPr lang="en-US"/>
               <a:t>Fourth level</a:t>
             </a:r>
           </a:p>
           <a:p>
             <a:pPr lvl="4" eaLnBrk="1" latinLnBrk="0" hangingPunct="1"/>
             <a:r>
-              <a:rPr lang="en-US" smtClean="0"/>
+              <a:rPr lang="en-US"/>
               <a:t>Fifth level</a:t>
             </a:r>
             <a:endParaRPr kumimoji="0" lang="en-US"/>
@@ -1770,7 +1980,7 @@
           <a:p>
             <a:fld id="{0C36B450-794D-49EA-A921-4CF5282E3E27}" type="datetimeFigureOut">
               <a:rPr lang="en-US" smtClean="0"/>
-              <a:t>4/13/2022</a:t>
+              <a:t>4/24/22</a:t>
             </a:fld>
             <a:endParaRPr lang="en-US"/>
           </a:p>
@@ -1868,10 +2078,9 @@
           </a:lstStyle>
           <a:p>
             <a:r>
-              <a:rPr kumimoji="0" lang="en-US" smtClean="0"/>
+              <a:rPr kumimoji="0" lang="en-US"/>
               <a:t>Click to edit Master title style</a:t>
             </a:r>
-            <a:endParaRPr kumimoji="0" lang="en-US"/>
           </a:p>
         </p:txBody>
       </p:sp>
@@ -1922,7 +2131,7 @@
           <a:p>
             <a:pPr lvl="0" eaLnBrk="1" latinLnBrk="0" hangingPunct="1"/>
             <a:r>
-              <a:rPr kumimoji="0" lang="en-US" smtClean="0"/>
+              <a:rPr kumimoji="0" lang="en-US"/>
               <a:t>Click to edit Master text styles</a:t>
             </a:r>
           </a:p>
@@ -1975,7 +2184,7 @@
           <a:p>
             <a:pPr lvl="0" eaLnBrk="1" latinLnBrk="0" hangingPunct="1"/>
             <a:r>
-              <a:rPr kumimoji="0" lang="en-US" smtClean="0"/>
+              <a:rPr kumimoji="0" lang="en-US"/>
               <a:t>Click to edit Master text styles</a:t>
             </a:r>
           </a:p>
@@ -2019,35 +2228,35 @@
           <a:p>
             <a:pPr lvl="0" eaLnBrk="1" latinLnBrk="0" hangingPunct="1"/>
             <a:r>
-              <a:rPr lang="en-US" smtClean="0"/>
+              <a:rPr lang="en-US"/>
               <a:t>Click to edit Master text styles</a:t>
             </a:r>
           </a:p>
           <a:p>
             <a:pPr lvl="1" eaLnBrk="1" latinLnBrk="0" hangingPunct="1"/>
             <a:r>
-              <a:rPr lang="en-US" smtClean="0"/>
+              <a:rPr lang="en-US"/>
               <a:t>Second level</a:t>
             </a:r>
           </a:p>
           <a:p>
             <a:pPr lvl="2" eaLnBrk="1" latinLnBrk="0" hangingPunct="1"/>
             <a:r>
-              <a:rPr lang="en-US" smtClean="0"/>
+              <a:rPr lang="en-US"/>
               <a:t>Third level</a:t>
             </a:r>
           </a:p>
           <a:p>
             <a:pPr lvl="3" eaLnBrk="1" latinLnBrk="0" hangingPunct="1"/>
             <a:r>
-              <a:rPr lang="en-US" smtClean="0"/>
+              <a:rPr lang="en-US"/>
               <a:t>Fourth level</a:t>
             </a:r>
           </a:p>
           <a:p>
             <a:pPr lvl="4" eaLnBrk="1" latinLnBrk="0" hangingPunct="1"/>
             <a:r>
-              <a:rPr lang="en-US" smtClean="0"/>
+              <a:rPr lang="en-US"/>
               <a:t>Fifth level</a:t>
             </a:r>
             <a:endParaRPr kumimoji="0" lang="en-US"/>
@@ -2092,35 +2301,35 @@
           <a:p>
             <a:pPr lvl="0" eaLnBrk="1" latinLnBrk="0" hangingPunct="1"/>
             <a:r>
-              <a:rPr lang="en-US" smtClean="0"/>
+              <a:rPr lang="en-US"/>
               <a:t>Click to edit Master text styles</a:t>
             </a:r>
           </a:p>
           <a:p>
             <a:pPr lvl="1" eaLnBrk="1" latinLnBrk="0" hangingPunct="1"/>
             <a:r>
-              <a:rPr lang="en-US" smtClean="0"/>
+              <a:rPr lang="en-US"/>
               <a:t>Second level</a:t>
             </a:r>
           </a:p>
           <a:p>
             <a:pPr lvl="2" eaLnBrk="1" latinLnBrk="0" hangingPunct="1"/>
             <a:r>
-              <a:rPr lang="en-US" smtClean="0"/>
+              <a:rPr lang="en-US"/>
               <a:t>Third level</a:t>
             </a:r>
           </a:p>
           <a:p>
             <a:pPr lvl="3" eaLnBrk="1" latinLnBrk="0" hangingPunct="1"/>
             <a:r>
-              <a:rPr lang="en-US" smtClean="0"/>
+              <a:rPr lang="en-US"/>
               <a:t>Fourth level</a:t>
             </a:r>
           </a:p>
           <a:p>
             <a:pPr lvl="4" eaLnBrk="1" latinLnBrk="0" hangingPunct="1"/>
             <a:r>
-              <a:rPr lang="en-US" smtClean="0"/>
+              <a:rPr lang="en-US"/>
               <a:t>Fifth level</a:t>
             </a:r>
             <a:endParaRPr kumimoji="0" lang="en-US"/>
@@ -2144,7 +2353,7 @@
           <a:p>
             <a:fld id="{0C36B450-794D-49EA-A921-4CF5282E3E27}" type="datetimeFigureOut">
               <a:rPr lang="en-US" smtClean="0"/>
-              <a:t>4/13/2022</a:t>
+              <a:t>4/24/22</a:t>
             </a:fld>
             <a:endParaRPr lang="en-US"/>
           </a:p>
@@ -2233,10 +2442,9 @@
           <a:lstStyle/>
           <a:p>
             <a:r>
-              <a:rPr kumimoji="0" lang="en-US" smtClean="0"/>
+              <a:rPr kumimoji="0" lang="en-US"/>
               <a:t>Click to edit Master title style</a:t>
             </a:r>
-            <a:endParaRPr kumimoji="0" lang="en-US"/>
           </a:p>
         </p:txBody>
       </p:sp>
@@ -2257,7 +2465,7 @@
           <a:p>
             <a:fld id="{0C36B450-794D-49EA-A921-4CF5282E3E27}" type="datetimeFigureOut">
               <a:rPr lang="en-US" smtClean="0"/>
-              <a:t>4/13/2022</a:t>
+              <a:t>4/24/22</a:t>
             </a:fld>
             <a:endParaRPr lang="en-US"/>
           </a:p>
@@ -2347,7 +2555,7 @@
           <a:p>
             <a:fld id="{0C36B450-794D-49EA-A921-4CF5282E3E27}" type="datetimeFigureOut">
               <a:rPr lang="en-US" smtClean="0"/>
-              <a:t>4/13/2022</a:t>
+              <a:t>4/24/22</a:t>
             </a:fld>
             <a:endParaRPr lang="en-US"/>
           </a:p>
@@ -2459,10 +2667,9 @@
           </a:lstStyle>
           <a:p>
             <a:r>
-              <a:rPr kumimoji="0" lang="en-US" smtClean="0"/>
+              <a:rPr kumimoji="0" lang="en-US"/>
               <a:t>Click to edit Master title style</a:t>
             </a:r>
-            <a:endParaRPr kumimoji="0" lang="en-US"/>
           </a:p>
         </p:txBody>
       </p:sp>
@@ -2509,7 +2716,7 @@
           <a:p>
             <a:pPr lvl="0" eaLnBrk="1" latinLnBrk="0" hangingPunct="1"/>
             <a:r>
-              <a:rPr kumimoji="0" lang="en-US" smtClean="0"/>
+              <a:rPr kumimoji="0" lang="en-US"/>
               <a:t>Click to edit Master text styles</a:t>
             </a:r>
           </a:p>
@@ -2553,35 +2760,35 @@
           <a:p>
             <a:pPr lvl="0" eaLnBrk="1" latinLnBrk="0" hangingPunct="1"/>
             <a:r>
-              <a:rPr lang="en-US" smtClean="0"/>
+              <a:rPr lang="en-US"/>
               <a:t>Click to edit Master text styles</a:t>
             </a:r>
           </a:p>
           <a:p>
             <a:pPr lvl="1" eaLnBrk="1" latinLnBrk="0" hangingPunct="1"/>
             <a:r>
-              <a:rPr lang="en-US" smtClean="0"/>
+              <a:rPr lang="en-US"/>
               <a:t>Second level</a:t>
             </a:r>
           </a:p>
           <a:p>
             <a:pPr lvl="2" eaLnBrk="1" latinLnBrk="0" hangingPunct="1"/>
             <a:r>
-              <a:rPr lang="en-US" smtClean="0"/>
+              <a:rPr lang="en-US"/>
               <a:t>Third level</a:t>
             </a:r>
           </a:p>
           <a:p>
             <a:pPr lvl="3" eaLnBrk="1" latinLnBrk="0" hangingPunct="1"/>
             <a:r>
-              <a:rPr lang="en-US" smtClean="0"/>
+              <a:rPr lang="en-US"/>
               <a:t>Fourth level</a:t>
             </a:r>
           </a:p>
           <a:p>
             <a:pPr lvl="4" eaLnBrk="1" latinLnBrk="0" hangingPunct="1"/>
             <a:r>
-              <a:rPr lang="en-US" smtClean="0"/>
+              <a:rPr lang="en-US"/>
               <a:t>Fifth level</a:t>
             </a:r>
             <a:endParaRPr kumimoji="0" lang="en-US"/>
@@ -2605,7 +2812,7 @@
           <a:p>
             <a:fld id="{0C36B450-794D-49EA-A921-4CF5282E3E27}" type="datetimeFigureOut">
               <a:rPr lang="en-US" smtClean="0"/>
-              <a:t>4/13/2022</a:t>
+              <a:t>4/24/22</a:t>
             </a:fld>
             <a:endParaRPr lang="en-US"/>
           </a:p>
@@ -2706,10 +2913,9 @@
           </a:lstStyle>
           <a:p>
             <a:r>
-              <a:rPr kumimoji="0" lang="en-US" smtClean="0"/>
+              <a:rPr kumimoji="0" lang="en-US"/>
               <a:t>Click to edit Master title style</a:t>
             </a:r>
-            <a:endParaRPr kumimoji="0" lang="en-US"/>
           </a:p>
         </p:txBody>
       </p:sp>
@@ -2786,7 +2992,7 @@
           <a:p>
             <a:pPr marL="0" algn="l" rtl="0" eaLnBrk="1" latinLnBrk="0" hangingPunct="1"/>
             <a:r>
-              <a:rPr kumimoji="0" lang="en-US" smtClean="0">
+              <a:rPr kumimoji="0" lang="en-US">
                 <a:solidFill>
                   <a:schemeClr val="lt1"/>
                 </a:solidFill>
@@ -2846,7 +3052,7 @@
           <a:p>
             <a:pPr lvl="0" eaLnBrk="1" latinLnBrk="0" hangingPunct="1"/>
             <a:r>
-              <a:rPr kumimoji="0" lang="en-US" smtClean="0"/>
+              <a:rPr kumimoji="0" lang="en-US"/>
               <a:t>Click to edit Master text styles</a:t>
             </a:r>
           </a:p>
@@ -2869,7 +3075,7 @@
           <a:p>
             <a:fld id="{0C36B450-794D-49EA-A921-4CF5282E3E27}" type="datetimeFigureOut">
               <a:rPr lang="en-US" smtClean="0"/>
-              <a:t>4/13/2022</a:t>
+              <a:t>4/24/22</a:t>
             </a:fld>
             <a:endParaRPr lang="en-US"/>
           </a:p>
@@ -2982,10 +3188,9 @@
           <a:lstStyle/>
           <a:p>
             <a:r>
-              <a:rPr kumimoji="0" lang="en-US" smtClean="0"/>
+              <a:rPr kumimoji="0" lang="en-US"/>
               <a:t>Click to edit Master title style</a:t>
             </a:r>
-            <a:endParaRPr kumimoji="0" lang="en-US"/>
           </a:p>
         </p:txBody>
       </p:sp>
@@ -3016,38 +3221,37 @@
           <a:p>
             <a:pPr lvl="0" eaLnBrk="1" latinLnBrk="0" hangingPunct="1"/>
             <a:r>
-              <a:rPr kumimoji="0" lang="en-US" smtClean="0"/>
+              <a:rPr kumimoji="0" lang="en-US"/>
               <a:t>Click to edit Master text styles</a:t>
             </a:r>
           </a:p>
           <a:p>
             <a:pPr lvl="1" eaLnBrk="1" latinLnBrk="0" hangingPunct="1"/>
             <a:r>
-              <a:rPr kumimoji="0" lang="en-US" smtClean="0"/>
+              <a:rPr kumimoji="0" lang="en-US"/>
               <a:t>Second level</a:t>
             </a:r>
           </a:p>
           <a:p>
             <a:pPr lvl="2" eaLnBrk="1" latinLnBrk="0" hangingPunct="1"/>
             <a:r>
-              <a:rPr kumimoji="0" lang="en-US" smtClean="0"/>
+              <a:rPr kumimoji="0" lang="en-US"/>
               <a:t>Third level</a:t>
             </a:r>
           </a:p>
           <a:p>
             <a:pPr lvl="3" eaLnBrk="1" latinLnBrk="0" hangingPunct="1"/>
             <a:r>
-              <a:rPr kumimoji="0" lang="en-US" smtClean="0"/>
+              <a:rPr kumimoji="0" lang="en-US"/>
               <a:t>Fourth level</a:t>
             </a:r>
           </a:p>
           <a:p>
             <a:pPr lvl="4" eaLnBrk="1" latinLnBrk="0" hangingPunct="1"/>
             <a:r>
-              <a:rPr kumimoji="0" lang="en-US" smtClean="0"/>
+              <a:rPr kumimoji="0" lang="en-US"/>
               <a:t>Fifth level</a:t>
             </a:r>
-            <a:endParaRPr kumimoji="0" lang="en-US"/>
           </a:p>
         </p:txBody>
       </p:sp>
@@ -3086,7 +3290,7 @@
           <a:p>
             <a:fld id="{0C36B450-794D-49EA-A921-4CF5282E3E27}" type="datetimeFigureOut">
               <a:rPr lang="en-US" smtClean="0"/>
-              <a:t>4/13/2022</a:t>
+              <a:t>4/24/22</a:t>
             </a:fld>
             <a:endParaRPr lang="en-US"/>
           </a:p>
@@ -3526,33 +3730,10 @@
             <p:ph type="title"/>
           </p:nvPr>
         </p:nvSpPr>
-        <p:spPr/>
-        <p:txBody>
-          <a:bodyPr/>
-          <a:lstStyle/>
-          <a:p>
-            <a:r>
-              <a:rPr lang="en-US" dirty="0" smtClean="0"/>
-              <a:t>Express Server with React Client</a:t>
-            </a:r>
-            <a:endParaRPr lang="en-US" dirty="0"/>
-          </a:p>
-        </p:txBody>
-      </p:sp>
-      <p:sp>
-        <p:nvSpPr>
-          <p:cNvPr id="2" name="Content Placeholder 1"/>
-          <p:cNvSpPr>
-            <a:spLocks noGrp="1"/>
-          </p:cNvSpPr>
-          <p:nvPr>
-            <p:ph idx="1"/>
-          </p:nvPr>
-        </p:nvSpPr>
         <p:spPr>
           <a:xfrm>
-            <a:off x="2476500" y="1905000"/>
-            <a:ext cx="4191000" cy="2514600"/>
+            <a:off x="0" y="0"/>
+            <a:ext cx="9144000" cy="1600200"/>
           </a:xfrm>
         </p:spPr>
         <p:txBody>
@@ -3561,47 +3742,60 @@
           <a:p>
             <a:r>
               <a:rPr lang="en-US" dirty="0"/>
-              <a:t>Mathew </a:t>
-            </a:r>
-            <a:r>
-              <a:rPr lang="en-US" dirty="0" smtClean="0"/>
-              <a:t>Kott, </a:t>
-            </a:r>
-          </a:p>
-          <a:p>
-            <a:r>
-              <a:rPr lang="en-US" dirty="0" smtClean="0"/>
-              <a:t>Rosalinda </a:t>
-            </a:r>
+              <a:t>Express Server with React Client</a:t>
+            </a:r>
+          </a:p>
+        </p:txBody>
+      </p:sp>
+      <p:sp>
+        <p:nvSpPr>
+          <p:cNvPr id="2" name="Content Placeholder 1"/>
+          <p:cNvSpPr>
+            <a:spLocks noGrp="1"/>
+          </p:cNvSpPr>
+          <p:nvPr>
+            <p:ph idx="1"/>
+          </p:nvPr>
+        </p:nvSpPr>
+        <p:spPr>
+          <a:xfrm>
+            <a:off x="228600" y="1600200"/>
+            <a:ext cx="8839200" cy="4114800"/>
+          </a:xfrm>
+        </p:spPr>
+        <p:txBody>
+          <a:bodyPr anchor="ctr" anchorCtr="1"/>
+          <a:lstStyle/>
+          <a:p>
+            <a:pPr algn="just"/>
             <a:r>
               <a:rPr lang="en-US" dirty="0"/>
-              <a:t>Gutierrez, </a:t>
-            </a:r>
-            <a:endParaRPr lang="en-US" dirty="0" smtClean="0"/>
-          </a:p>
-          <a:p>
-            <a:r>
-              <a:rPr lang="en-US" dirty="0" err="1" smtClean="0"/>
+              <a:t>Mathew Kott </a:t>
+            </a:r>
+          </a:p>
+          <a:p>
+            <a:pPr algn="just"/>
+            <a:r>
+              <a:rPr lang="en-US" dirty="0"/>
+              <a:t>Rosalinda Gutierrez </a:t>
+            </a:r>
+          </a:p>
+          <a:p>
+            <a:pPr algn="just"/>
+            <a:r>
+              <a:rPr lang="en-US" dirty="0" err="1"/>
               <a:t>Kal</a:t>
             </a:r>
             <a:r>
-              <a:rPr lang="en-US" dirty="0" smtClean="0"/>
-              <a:t> </a:t>
-            </a:r>
-            <a:r>
               <a:rPr lang="en-US" dirty="0"/>
-              <a:t>McClure, </a:t>
-            </a:r>
-            <a:endParaRPr lang="en-US" dirty="0" smtClean="0"/>
-          </a:p>
-          <a:p>
-            <a:r>
-              <a:rPr lang="en-US" dirty="0" smtClean="0"/>
-              <a:t>Latham </a:t>
-            </a:r>
+              <a:t> McClure </a:t>
+            </a:r>
+          </a:p>
+          <a:p>
+            <a:pPr algn="just"/>
             <a:r>
               <a:rPr lang="en-US" dirty="0"/>
-              <a:t>Graham</a:t>
+              <a:t>Latham Graham</a:t>
             </a:r>
           </a:p>
         </p:txBody>
@@ -3646,52 +3840,187 @@
             <p:ph type="title"/>
           </p:nvPr>
         </p:nvSpPr>
-        <p:spPr/>
-        <p:txBody>
-          <a:bodyPr/>
-          <a:lstStyle/>
-          <a:p>
-            <a:r>
-              <a:rPr lang="en-US" dirty="0" smtClean="0"/>
-              <a:t>Landing Page</a:t>
-            </a:r>
-            <a:endParaRPr lang="en-US" dirty="0"/>
+        <p:spPr>
+          <a:xfrm>
+            <a:off x="0" y="0"/>
+            <a:ext cx="9144000" cy="1295400"/>
+          </a:xfrm>
+        </p:spPr>
+        <p:txBody>
+          <a:bodyPr/>
+          <a:lstStyle/>
+          <a:p>
+            <a:r>
+              <a:rPr lang="en-US" dirty="0"/>
+              <a:t>Project Overview:</a:t>
+            </a:r>
+          </a:p>
+        </p:txBody>
+      </p:sp>
+      <p:sp>
+        <p:nvSpPr>
+          <p:cNvPr id="3" name="TextBox 2"/>
+          <p:cNvSpPr txBox="1"/>
+          <p:nvPr/>
+        </p:nvSpPr>
+        <p:spPr>
+          <a:xfrm>
+            <a:off x="849292" y="1535402"/>
+            <a:ext cx="6465907" cy="3699474"/>
+          </a:xfrm>
+          <a:prstGeom prst="rect">
+            <a:avLst/>
+          </a:prstGeom>
+          <a:noFill/>
+        </p:spPr>
+        <p:txBody>
+          <a:bodyPr wrap="square" rtlCol="0">
+            <a:spAutoFit/>
+          </a:bodyPr>
+          <a:lstStyle/>
+          <a:p>
+            <a:pPr>
+              <a:lnSpc>
+                <a:spcPct val="200000"/>
+              </a:lnSpc>
+            </a:pPr>
+            <a:r>
+              <a:rPr lang="en-US" sz="2000" dirty="0"/>
+              <a:t>A RESTful API: </a:t>
+            </a:r>
+          </a:p>
+          <a:p>
+            <a:pPr marL="285750" indent="-285750">
+              <a:lnSpc>
+                <a:spcPct val="200000"/>
+              </a:lnSpc>
+              <a:buFont typeface="Arial" panose="020B0604020202020204" pitchFamily="34" charset="0"/>
+              <a:buChar char="•"/>
+            </a:pPr>
+            <a:r>
+              <a:rPr lang="en-US" sz="2000" dirty="0"/>
+              <a:t>JavaScript Execution</a:t>
+            </a:r>
+          </a:p>
+          <a:p>
+            <a:pPr marL="285750" indent="-285750">
+              <a:lnSpc>
+                <a:spcPct val="200000"/>
+              </a:lnSpc>
+              <a:buFont typeface="Arial" panose="020B0604020202020204" pitchFamily="34" charset="0"/>
+              <a:buChar char="•"/>
+            </a:pPr>
+            <a:r>
+              <a:rPr lang="en-US" sz="2000" dirty="0"/>
+              <a:t> Node.js </a:t>
+            </a:r>
+          </a:p>
+          <a:p>
+            <a:pPr marL="285750" indent="-285750">
+              <a:lnSpc>
+                <a:spcPct val="200000"/>
+              </a:lnSpc>
+              <a:buFont typeface="Arial" panose="020B0604020202020204" pitchFamily="34" charset="0"/>
+              <a:buChar char="•"/>
+            </a:pPr>
+            <a:r>
+              <a:rPr lang="en-US" sz="2000" dirty="0"/>
+              <a:t>Back End: Express </a:t>
+            </a:r>
+          </a:p>
+          <a:p>
+            <a:pPr marL="285750" indent="-285750">
+              <a:lnSpc>
+                <a:spcPct val="200000"/>
+              </a:lnSpc>
+              <a:buFont typeface="Arial" panose="020B0604020202020204" pitchFamily="34" charset="0"/>
+              <a:buChar char="•"/>
+            </a:pPr>
+            <a:r>
+              <a:rPr lang="en-US" sz="2000" dirty="0"/>
+              <a:t>Front End: React</a:t>
+            </a:r>
+          </a:p>
+          <a:p>
+            <a:pPr marL="285750" indent="-285750">
+              <a:lnSpc>
+                <a:spcPct val="200000"/>
+              </a:lnSpc>
+              <a:buFont typeface="Arial" panose="020B0604020202020204" pitchFamily="34" charset="0"/>
+              <a:buChar char="•"/>
+            </a:pPr>
+            <a:endParaRPr lang="en-US" sz="2000" dirty="0"/>
           </a:p>
         </p:txBody>
       </p:sp>
       <p:pic>
         <p:nvPicPr>
-          <p:cNvPr id="4" name="Content Placeholder 3"/>
+          <p:cNvPr id="1026" name="Picture 2"/>
           <p:cNvPicPr>
-            <a:picLocks noGrp="1" noChangeAspect="1"/>
+            <a:picLocks noChangeAspect="1" noChangeArrowheads="1"/>
           </p:cNvPicPr>
-          <p:nvPr>
-            <p:ph idx="1"/>
-          </p:nvPr>
+          <p:nvPr/>
         </p:nvPicPr>
         <p:blipFill>
-          <a:blip r:embed="rId2">
+          <a:blip r:embed="rId3" cstate="print">
             <a:extLst>
               <a:ext uri="{28A0092B-C50C-407E-A947-70E740481C1C}">
                 <a14:useLocalDpi xmlns:a14="http://schemas.microsoft.com/office/drawing/2010/main" val="0"/>
               </a:ext>
             </a:extLst>
           </a:blip>
+          <a:srcRect/>
           <a:stretch>
             <a:fillRect/>
           </a:stretch>
         </p:blipFill>
-        <p:spPr>
+        <p:spPr bwMode="auto">
           <a:xfrm>
-            <a:off x="691827" y="1600200"/>
-            <a:ext cx="7760346" cy="4708525"/>
+            <a:off x="3962400" y="1560821"/>
+            <a:ext cx="4724400" cy="3736358"/>
           </a:xfrm>
+          <a:prstGeom prst="rect">
+            <a:avLst/>
+          </a:prstGeom>
+          <a:noFill/>
+          <a:ln>
+            <a:noFill/>
+          </a:ln>
+          <a:effectLst/>
+          <a:extLst>
+            <a:ext uri="{909E8E84-426E-40DD-AFC4-6F175D3DCCD1}">
+              <a14:hiddenFill xmlns:a14="http://schemas.microsoft.com/office/drawing/2010/main">
+                <a:solidFill>
+                  <a:schemeClr val="accent1"/>
+                </a:solidFill>
+              </a14:hiddenFill>
+            </a:ext>
+            <a:ext uri="{91240B29-F687-4F45-9708-019B960494DF}">
+              <a14:hiddenLine xmlns:a14="http://schemas.microsoft.com/office/drawing/2010/main" w="9525">
+                <a:solidFill>
+                  <a:schemeClr val="tx1"/>
+                </a:solidFill>
+                <a:miter lim="800000"/>
+                <a:headEnd/>
+                <a:tailEnd/>
+              </a14:hiddenLine>
+            </a:ext>
+            <a:ext uri="{AF507438-7753-43E0-B8FC-AC1667EBCBE1}">
+              <a14:hiddenEffects xmlns:a14="http://schemas.microsoft.com/office/drawing/2010/main">
+                <a:effectLst>
+                  <a:outerShdw dist="35921" dir="2700000" algn="ctr" rotWithShape="0">
+                    <a:schemeClr val="bg2"/>
+                  </a:outerShdw>
+                </a:effectLst>
+              </a14:hiddenEffects>
+            </a:ext>
+          </a:extLst>
         </p:spPr>
       </p:pic>
     </p:spTree>
     <p:extLst>
       <p:ext uri="{BB962C8B-B14F-4D97-AF65-F5344CB8AC3E}">
-        <p14:creationId xmlns:p14="http://schemas.microsoft.com/office/powerpoint/2010/main" val="1049065207"/>
+        <p14:creationId xmlns:p14="http://schemas.microsoft.com/office/powerpoint/2010/main" val="3727242249"/>
       </p:ext>
     </p:extLst>
   </p:cSld>
@@ -3728,16 +4057,20 @@
             <p:ph type="title"/>
           </p:nvPr>
         </p:nvSpPr>
-        <p:spPr/>
-        <p:txBody>
-          <a:bodyPr/>
-          <a:lstStyle/>
-          <a:p>
-            <a:r>
-              <a:rPr lang="en-US" dirty="0" smtClean="0"/>
-              <a:t>Overview </a:t>
-            </a:r>
-            <a:endParaRPr lang="en-US" dirty="0"/>
+        <p:spPr>
+          <a:xfrm>
+            <a:off x="25400" y="20638"/>
+            <a:ext cx="9118600" cy="1143000"/>
+          </a:xfrm>
+        </p:spPr>
+        <p:txBody>
+          <a:bodyPr/>
+          <a:lstStyle/>
+          <a:p>
+            <a:r>
+              <a:rPr lang="en-US" dirty="0"/>
+              <a:t>Diagram</a:t>
+            </a:r>
           </a:p>
         </p:txBody>
       </p:sp>
@@ -3749,8 +4082,8 @@
         </p:nvSpPr>
         <p:spPr>
           <a:xfrm>
-            <a:off x="1143000" y="2075329"/>
-            <a:ext cx="6781800" cy="3785652"/>
+            <a:off x="914400" y="1981200"/>
+            <a:ext cx="7543800" cy="369332"/>
           </a:xfrm>
           <a:prstGeom prst="rect">
             <a:avLst/>
@@ -3763,104 +4096,86 @@
           </a:bodyPr>
           <a:lstStyle/>
           <a:p>
-            <a:pPr>
-              <a:lnSpc>
-                <a:spcPct val="200000"/>
-              </a:lnSpc>
-            </a:pPr>
-            <a:r>
-              <a:rPr lang="en-US" sz="2000" dirty="0"/>
-              <a:t>A</a:t>
-            </a:r>
-            <a:r>
-              <a:rPr lang="en-US" sz="2000" dirty="0" smtClean="0"/>
+            <a:r>
+              <a:rPr lang="en-US" dirty="0"/>
               <a:t> </a:t>
             </a:r>
-            <a:r>
-              <a:rPr lang="en-US" sz="2000" dirty="0"/>
-              <a:t>RESTful API was </a:t>
-            </a:r>
-            <a:r>
-              <a:rPr lang="en-US" sz="2000" dirty="0" smtClean="0"/>
-              <a:t>created using: </a:t>
-            </a:r>
-          </a:p>
+          </a:p>
+        </p:txBody>
+      </p:sp>
+      <p:pic>
+        <p:nvPicPr>
+          <p:cNvPr id="4" name="Picture 3">
+            <a:extLst>
+              <a:ext uri="{FF2B5EF4-FFF2-40B4-BE49-F238E27FC236}">
+                <a16:creationId xmlns:a16="http://schemas.microsoft.com/office/drawing/2014/main" id="{6FEBE0F1-B5CA-8D2B-E418-A4357DD86631}"/>
+              </a:ext>
+            </a:extLst>
+          </p:cNvPr>
+          <p:cNvPicPr>
+            <a:picLocks noChangeAspect="1"/>
+          </p:cNvPicPr>
+          <p:nvPr/>
+        </p:nvPicPr>
+        <p:blipFill>
+          <a:blip r:embed="rId2"/>
+          <a:stretch>
+            <a:fillRect/>
+          </a:stretch>
+        </p:blipFill>
+        <p:spPr>
+          <a:xfrm>
+            <a:off x="1485899" y="1676400"/>
+            <a:ext cx="6400801" cy="4928527"/>
+          </a:xfrm>
+          <a:prstGeom prst="rect">
+            <a:avLst/>
+          </a:prstGeom>
+        </p:spPr>
+      </p:pic>
+      <p:sp>
+        <p:nvSpPr>
+          <p:cNvPr id="5" name="TextBox 4">
+            <a:extLst>
+              <a:ext uri="{FF2B5EF4-FFF2-40B4-BE49-F238E27FC236}">
+                <a16:creationId xmlns:a16="http://schemas.microsoft.com/office/drawing/2014/main" id="{93C420A7-A101-BD45-0021-7E74F6CF5F78}"/>
+              </a:ext>
+            </a:extLst>
+          </p:cNvPr>
+          <p:cNvSpPr txBox="1"/>
+          <p:nvPr/>
+        </p:nvSpPr>
+        <p:spPr>
+          <a:xfrm>
+            <a:off x="838200" y="1123890"/>
+            <a:ext cx="4419600" cy="400110"/>
+          </a:xfrm>
+          <a:prstGeom prst="rect">
+            <a:avLst/>
+          </a:prstGeom>
+          <a:noFill/>
+        </p:spPr>
+        <p:txBody>
+          <a:bodyPr wrap="square" rtlCol="0">
+            <a:spAutoFit/>
+          </a:bodyPr>
+          <a:lstStyle/>
           <a:p>
             <a:pPr marL="285750" indent="-285750">
-              <a:lnSpc>
-                <a:spcPct val="200000"/>
-              </a:lnSpc>
               <a:buFont typeface="Arial" panose="020B0604020202020204" pitchFamily="34" charset="0"/>
               <a:buChar char="•"/>
             </a:pPr>
             <a:r>
-              <a:rPr lang="en-US" sz="2000" dirty="0" err="1" smtClean="0"/>
-              <a:t>Javascript</a:t>
-            </a:r>
-            <a:r>
-              <a:rPr lang="en-US" sz="2000" dirty="0" smtClean="0"/>
-              <a:t> for function execution</a:t>
-            </a:r>
-          </a:p>
-          <a:p>
-            <a:pPr marL="285750" indent="-285750">
-              <a:lnSpc>
-                <a:spcPct val="200000"/>
-              </a:lnSpc>
-              <a:buFont typeface="Arial" panose="020B0604020202020204" pitchFamily="34" charset="0"/>
-              <a:buChar char="•"/>
-            </a:pPr>
-            <a:r>
-              <a:rPr lang="en-US" sz="2000" dirty="0" smtClean="0"/>
-              <a:t> Node.js libraries</a:t>
-            </a:r>
-          </a:p>
-          <a:p>
-            <a:pPr marL="285750" indent="-285750">
-              <a:lnSpc>
-                <a:spcPct val="200000"/>
-              </a:lnSpc>
-              <a:buFont typeface="Arial" panose="020B0604020202020204" pitchFamily="34" charset="0"/>
-              <a:buChar char="•"/>
-            </a:pPr>
-            <a:r>
-              <a:rPr lang="en-US" sz="2000" dirty="0" smtClean="0"/>
-              <a:t>Used Express to create a server </a:t>
-            </a:r>
-          </a:p>
-          <a:p>
-            <a:pPr marL="285750" indent="-285750">
-              <a:lnSpc>
-                <a:spcPct val="200000"/>
-              </a:lnSpc>
-              <a:buFont typeface="Arial" panose="020B0604020202020204" pitchFamily="34" charset="0"/>
-              <a:buChar char="•"/>
-            </a:pPr>
-            <a:r>
-              <a:rPr lang="en-US" sz="2000" dirty="0" smtClean="0"/>
-              <a:t>Used PostgreSQL for the database</a:t>
-            </a:r>
-          </a:p>
-          <a:p>
-            <a:pPr marL="285750" indent="-285750">
-              <a:lnSpc>
-                <a:spcPct val="200000"/>
-              </a:lnSpc>
-              <a:buFont typeface="Arial" panose="020B0604020202020204" pitchFamily="34" charset="0"/>
-              <a:buChar char="•"/>
-            </a:pPr>
-            <a:r>
-              <a:rPr lang="en-US" sz="2000" dirty="0" smtClean="0"/>
-              <a:t> Front End Application was implemented using React</a:t>
-            </a:r>
-            <a:endParaRPr lang="en-US" sz="2000" dirty="0"/>
+              <a:rPr lang="en-US" sz="2000" dirty="0"/>
+              <a:t>Database: PostgreSQL</a:t>
+            </a:r>
           </a:p>
         </p:txBody>
       </p:sp>
     </p:spTree>
     <p:extLst>
       <p:ext uri="{BB962C8B-B14F-4D97-AF65-F5344CB8AC3E}">
-        <p14:creationId xmlns:p14="http://schemas.microsoft.com/office/powerpoint/2010/main" val="3727242249"/>
+        <p14:creationId xmlns:p14="http://schemas.microsoft.com/office/powerpoint/2010/main" val="363551982"/>
       </p:ext>
     </p:extLst>
   </p:cSld>
@@ -3903,23 +4218,28 @@
           <a:lstStyle/>
           <a:p>
             <a:r>
-              <a:rPr lang="en-US" dirty="0" smtClean="0"/>
+              <a:rPr lang="en-US" dirty="0"/>
               <a:t>Functionality</a:t>
             </a:r>
-            <a:endParaRPr lang="en-US" dirty="0"/>
-          </a:p>
-        </p:txBody>
-      </p:sp>
-      <p:sp>
-        <p:nvSpPr>
-          <p:cNvPr id="3" name="TextBox 2"/>
+          </a:p>
+        </p:txBody>
+      </p:sp>
+      <p:sp>
+        <p:nvSpPr>
+          <p:cNvPr id="4" name="TextBox 3">
+            <a:extLst>
+              <a:ext uri="{FF2B5EF4-FFF2-40B4-BE49-F238E27FC236}">
+                <a16:creationId xmlns:a16="http://schemas.microsoft.com/office/drawing/2014/main" id="{F53C3912-3FCC-EE67-289D-D85983E2990B}"/>
+              </a:ext>
+            </a:extLst>
+          </p:cNvPr>
           <p:cNvSpPr txBox="1"/>
           <p:nvPr/>
         </p:nvSpPr>
         <p:spPr>
           <a:xfrm>
-            <a:off x="825649" y="1295400"/>
-            <a:ext cx="7391400" cy="6524863"/>
+            <a:off x="905435" y="1271385"/>
+            <a:ext cx="8229600" cy="1852815"/>
           </a:xfrm>
           <a:prstGeom prst="rect">
             <a:avLst/>
@@ -3931,14 +4251,6 @@
             <a:spAutoFit/>
           </a:bodyPr>
           <a:lstStyle/>
-          <a:p>
-            <a:pPr>
-              <a:lnSpc>
-                <a:spcPct val="200000"/>
-              </a:lnSpc>
-            </a:pPr>
-            <a:endParaRPr lang="en-US" sz="2000" dirty="0" smtClean="0"/>
-          </a:p>
           <a:p>
             <a:pPr marL="285750" indent="-285750">
               <a:lnSpc>
@@ -3949,19 +4261,7 @@
             </a:pPr>
             <a:r>
               <a:rPr lang="en-US" sz="2000" dirty="0"/>
-              <a:t>Clients of the API </a:t>
-            </a:r>
-            <a:r>
-              <a:rPr lang="en-US" sz="2000" dirty="0" smtClean="0"/>
-              <a:t>are able </a:t>
-            </a:r>
-            <a:r>
-              <a:rPr lang="en-US" sz="2000" dirty="0"/>
-              <a:t>to log into the API and then provide data to authorized </a:t>
-            </a:r>
-            <a:r>
-              <a:rPr lang="en-US" sz="2000" dirty="0" smtClean="0"/>
-              <a:t>clients</a:t>
+              <a:t>Authorized Client Capabilities</a:t>
             </a:r>
           </a:p>
           <a:p>
@@ -3974,11 +4274,7 @@
             </a:pPr>
             <a:r>
               <a:rPr lang="en-US" sz="2000" dirty="0"/>
-              <a:t>Usage of the project is for displaying employee names and emails for authorized users for a company in any easy to use, accessible </a:t>
-            </a:r>
-            <a:r>
-              <a:rPr lang="en-US" sz="2000" dirty="0" smtClean="0"/>
-              <a:t>app</a:t>
+              <a:t>The User Friendly App</a:t>
             </a:r>
           </a:p>
           <a:p>
@@ -3991,39 +4287,47 @@
             </a:pPr>
             <a:r>
               <a:rPr lang="en-US" sz="2000" dirty="0"/>
-              <a:t>Authentication of users was implemented using </a:t>
-            </a:r>
-            <a:r>
-              <a:rPr lang="en-US" sz="2000" dirty="0" smtClean="0"/>
-              <a:t>Auth0 security protocol with the use of JSON  Web tokens</a:t>
-            </a:r>
-            <a:endParaRPr lang="en-US" sz="2000" dirty="0"/>
-          </a:p>
-          <a:p>
-            <a:pPr marL="285750" indent="-285750">
-              <a:lnSpc>
-                <a:spcPct val="200000"/>
-              </a:lnSpc>
-              <a:buFont typeface="Arial" panose="020B0604020202020204" pitchFamily="34" charset="0"/>
-              <a:buChar char="•"/>
-            </a:pPr>
-            <a:endParaRPr lang="en-US" sz="2000" dirty="0"/>
-          </a:p>
-          <a:p>
-            <a:pPr marL="285750" indent="-285750">
-              <a:lnSpc>
-                <a:spcPct val="200000"/>
-              </a:lnSpc>
-              <a:buFont typeface="Arial" panose="020B0604020202020204" pitchFamily="34" charset="0"/>
-              <a:buChar char="•"/>
-            </a:pPr>
-            <a:endParaRPr lang="en-US" sz="2000" dirty="0"/>
-          </a:p>
-          <a:p>
-            <a:endParaRPr lang="en-US" dirty="0"/>
-          </a:p>
-        </p:txBody>
-      </p:sp>
+              <a:t>Auth0 Security Protocol</a:t>
+            </a:r>
+          </a:p>
+        </p:txBody>
+      </p:sp>
+      <p:pic>
+        <p:nvPicPr>
+          <p:cNvPr id="7" name="Content Placeholder 3">
+            <a:extLst>
+              <a:ext uri="{FF2B5EF4-FFF2-40B4-BE49-F238E27FC236}">
+                <a16:creationId xmlns:a16="http://schemas.microsoft.com/office/drawing/2014/main" id="{BD4408EB-F8C0-4CBB-FC68-5D31E01CFA5D}"/>
+              </a:ext>
+            </a:extLst>
+          </p:cNvPr>
+          <p:cNvPicPr>
+            <a:picLocks noChangeAspect="1"/>
+          </p:cNvPicPr>
+          <p:nvPr/>
+        </p:nvPicPr>
+        <p:blipFill>
+          <a:blip r:embed="rId3">
+            <a:extLst>
+              <a:ext uri="{28A0092B-C50C-407E-A947-70E740481C1C}">
+                <a14:useLocalDpi xmlns:a14="http://schemas.microsoft.com/office/drawing/2010/main" val="0"/>
+              </a:ext>
+            </a:extLst>
+          </a:blip>
+          <a:stretch>
+            <a:fillRect/>
+          </a:stretch>
+        </p:blipFill>
+        <p:spPr>
+          <a:xfrm>
+            <a:off x="685800" y="3214433"/>
+            <a:ext cx="7760346" cy="3262567"/>
+          </a:xfrm>
+          <a:prstGeom prst="rect">
+            <a:avLst/>
+          </a:prstGeom>
+        </p:spPr>
+      </p:pic>
     </p:spTree>
     <p:extLst>
       <p:ext uri="{BB962C8B-B14F-4D97-AF65-F5344CB8AC3E}">
@@ -4064,126 +4368,6 @@
             <p:ph type="title"/>
           </p:nvPr>
         </p:nvSpPr>
-        <p:spPr/>
-        <p:txBody>
-          <a:bodyPr/>
-          <a:lstStyle/>
-          <a:p>
-            <a:r>
-              <a:rPr lang="en-US" dirty="0" smtClean="0"/>
-              <a:t>Diagram</a:t>
-            </a:r>
-            <a:endParaRPr lang="en-US" dirty="0"/>
-          </a:p>
-        </p:txBody>
-      </p:sp>
-      <p:sp>
-        <p:nvSpPr>
-          <p:cNvPr id="3" name="TextBox 2"/>
-          <p:cNvSpPr txBox="1"/>
-          <p:nvPr/>
-        </p:nvSpPr>
-        <p:spPr>
-          <a:xfrm>
-            <a:off x="914400" y="1981200"/>
-            <a:ext cx="7543800" cy="369332"/>
-          </a:xfrm>
-          <a:prstGeom prst="rect">
-            <a:avLst/>
-          </a:prstGeom>
-          <a:noFill/>
-        </p:spPr>
-        <p:txBody>
-          <a:bodyPr wrap="square" rtlCol="0">
-            <a:spAutoFit/>
-          </a:bodyPr>
-          <a:lstStyle/>
-          <a:p>
-            <a:r>
-              <a:rPr lang="en-US" dirty="0" smtClean="0"/>
-              <a:t> </a:t>
-            </a:r>
-            <a:endParaRPr lang="en-US" dirty="0"/>
-          </a:p>
-        </p:txBody>
-      </p:sp>
-      <p:pic>
-        <p:nvPicPr>
-          <p:cNvPr id="4" name="Picture 3"/>
-          <p:cNvPicPr>
-            <a:picLocks noChangeAspect="1"/>
-          </p:cNvPicPr>
-          <p:nvPr/>
-        </p:nvPicPr>
-        <p:blipFill>
-          <a:blip r:embed="rId2">
-            <a:extLst>
-              <a:ext uri="{28A0092B-C50C-407E-A947-70E740481C1C}">
-                <a14:useLocalDpi xmlns:a14="http://schemas.microsoft.com/office/drawing/2010/main" val="0"/>
-              </a:ext>
-            </a:extLst>
-          </a:blip>
-          <a:stretch>
-            <a:fillRect/>
-          </a:stretch>
-        </p:blipFill>
-        <p:spPr>
-          <a:xfrm>
-            <a:off x="537882" y="304800"/>
-            <a:ext cx="7991679" cy="6322788"/>
-          </a:xfrm>
-          <a:prstGeom prst="rect">
-            <a:avLst/>
-          </a:prstGeom>
-        </p:spPr>
-      </p:pic>
-    </p:spTree>
-    <p:extLst>
-      <p:ext uri="{BB962C8B-B14F-4D97-AF65-F5344CB8AC3E}">
-        <p14:creationId xmlns:p14="http://schemas.microsoft.com/office/powerpoint/2010/main" val="363551982"/>
-      </p:ext>
-    </p:extLst>
-  </p:cSld>
-  <p:clrMapOvr>
-    <a:masterClrMapping/>
-  </p:clrMapOvr>
-  <p:timing>
-    <p:tnLst>
-      <p:par>
-        <p:cTn id="1" dur="indefinite" restart="never" nodeType="tmRoot"/>
-      </p:par>
-    </p:tnLst>
-  </p:timing>
-</p:sld>
-</file>
-
-<file path=ppt/slides/slide6.xml><?xml version="1.0" encoding="utf-8"?>
-<p:sld xmlns:a="http://schemas.openxmlformats.org/drawingml/2006/main" xmlns:r="http://schemas.openxmlformats.org/officeDocument/2006/relationships" xmlns:p="http://schemas.openxmlformats.org/presentationml/2006/main">
-  <p:cSld>
-    <p:spTree>
-      <p:nvGrpSpPr>
-        <p:cNvPr id="1" name=""/>
-        <p:cNvGrpSpPr/>
-        <p:nvPr/>
-      </p:nvGrpSpPr>
-      <p:grpSpPr>
-        <a:xfrm>
-          <a:off x="0" y="0"/>
-          <a:ext cx="0" cy="0"/>
-          <a:chOff x="0" y="0"/>
-          <a:chExt cx="0" cy="0"/>
-        </a:xfrm>
-      </p:grpSpPr>
-      <p:sp>
-        <p:nvSpPr>
-          <p:cNvPr id="2" name="Title 1"/>
-          <p:cNvSpPr>
-            <a:spLocks noGrp="1"/>
-          </p:cNvSpPr>
-          <p:nvPr>
-            <p:ph type="title"/>
-          </p:nvPr>
-        </p:nvSpPr>
         <p:spPr>
           <a:xfrm>
             <a:off x="457200" y="2857500"/>
@@ -4195,10 +4379,9 @@
           <a:lstStyle/>
           <a:p>
             <a:r>
-              <a:rPr lang="en-US" dirty="0" smtClean="0"/>
+              <a:rPr lang="en-US" dirty="0"/>
               <a:t>Thank You</a:t>
             </a:r>
-            <a:endParaRPr lang="en-US" dirty="0"/>
           </a:p>
         </p:txBody>
       </p:sp>
